--- a/python/pip/pip.pptx
+++ b/python/pip/pip.pptx
@@ -6,12 +6,14 @@
     <p:sldMasterId id="2147483660" r:id="rId2"/>
   </p:sldMasterIdLst>
   <p:notesMasterIdLst>
-    <p:notesMasterId r:id="rId6"/>
+    <p:notesMasterId r:id="rId8"/>
   </p:notesMasterIdLst>
   <p:sldIdLst>
     <p:sldId id="394" r:id="rId3"/>
     <p:sldId id="395" r:id="rId4"/>
-    <p:sldId id="377" r:id="rId5"/>
+    <p:sldId id="396" r:id="rId5"/>
+    <p:sldId id="397" r:id="rId6"/>
+    <p:sldId id="377" r:id="rId7"/>
   </p:sldIdLst>
   <p:sldSz cx="12192000" cy="6858000"/>
   <p:notesSz cx="6858000" cy="9144000"/>
@@ -203,7 +205,7 @@
           <a:p>
             <a:fld id="{013D7D23-95FE-4191-B08D-3CBB1E1CEEFE}" type="datetimeFigureOut">
               <a:rPr lang="pt-PT" smtClean="0"/>
-              <a:t>25/01/2024</a:t>
+              <a:t>11/04/2024</a:t>
             </a:fld>
             <a:endParaRPr lang="pt-PT" dirty="0"/>
           </a:p>
@@ -602,7 +604,7 @@
           <a:p>
             <a:fld id="{5C0ED97C-8255-4BAC-9D42-1F6A6651E287}" type="datetime1">
               <a:rPr lang="pt-PT" smtClean="0"/>
-              <a:t>25/01/2024</a:t>
+              <a:t>11/04/2024</a:t>
             </a:fld>
             <a:endParaRPr lang="pt-PT" dirty="0"/>
           </a:p>
@@ -772,7 +774,7 @@
           <a:p>
             <a:fld id="{4FCC8996-E467-4FE1-B165-4002860D0AC7}" type="datetime1">
               <a:rPr lang="pt-PT" smtClean="0"/>
-              <a:t>25/01/2024</a:t>
+              <a:t>11/04/2024</a:t>
             </a:fld>
             <a:endParaRPr lang="pt-PT" dirty="0"/>
           </a:p>
@@ -952,7 +954,7 @@
           <a:p>
             <a:fld id="{C104532E-E792-4BF5-B399-9E5E16070233}" type="datetime1">
               <a:rPr lang="pt-PT" smtClean="0"/>
-              <a:t>25/01/2024</a:t>
+              <a:t>11/04/2024</a:t>
             </a:fld>
             <a:endParaRPr lang="pt-PT" dirty="0"/>
           </a:p>
@@ -1162,7 +1164,7 @@
           <a:p>
             <a:fld id="{FF4AF87E-A15D-4480-B791-15D75F8AF848}" type="datetimeFigureOut">
               <a:rPr lang="pt-PT" smtClean="0"/>
-              <a:t>25/01/2024</a:t>
+              <a:t>11/04/2024</a:t>
             </a:fld>
             <a:endParaRPr lang="pt-PT"/>
           </a:p>
@@ -1362,7 +1364,7 @@
           <a:p>
             <a:fld id="{FF4AF87E-A15D-4480-B791-15D75F8AF848}" type="datetimeFigureOut">
               <a:rPr lang="pt-PT" smtClean="0"/>
-              <a:t>25/01/2024</a:t>
+              <a:t>11/04/2024</a:t>
             </a:fld>
             <a:endParaRPr lang="pt-PT"/>
           </a:p>
@@ -1638,7 +1640,7 @@
           <a:p>
             <a:fld id="{FF4AF87E-A15D-4480-B791-15D75F8AF848}" type="datetimeFigureOut">
               <a:rPr lang="pt-PT" smtClean="0"/>
-              <a:t>25/01/2024</a:t>
+              <a:t>11/04/2024</a:t>
             </a:fld>
             <a:endParaRPr lang="pt-PT"/>
           </a:p>
@@ -1906,7 +1908,7 @@
           <a:p>
             <a:fld id="{FF4AF87E-A15D-4480-B791-15D75F8AF848}" type="datetimeFigureOut">
               <a:rPr lang="pt-PT" smtClean="0"/>
-              <a:t>25/01/2024</a:t>
+              <a:t>11/04/2024</a:t>
             </a:fld>
             <a:endParaRPr lang="pt-PT"/>
           </a:p>
@@ -2321,7 +2323,7 @@
           <a:p>
             <a:fld id="{FF4AF87E-A15D-4480-B791-15D75F8AF848}" type="datetimeFigureOut">
               <a:rPr lang="pt-PT" smtClean="0"/>
-              <a:t>25/01/2024</a:t>
+              <a:t>11/04/2024</a:t>
             </a:fld>
             <a:endParaRPr lang="pt-PT"/>
           </a:p>
@@ -2463,7 +2465,7 @@
           <a:p>
             <a:fld id="{FF4AF87E-A15D-4480-B791-15D75F8AF848}" type="datetimeFigureOut">
               <a:rPr lang="pt-PT" smtClean="0"/>
-              <a:t>25/01/2024</a:t>
+              <a:t>11/04/2024</a:t>
             </a:fld>
             <a:endParaRPr lang="pt-PT"/>
           </a:p>
@@ -2576,7 +2578,7 @@
           <a:p>
             <a:fld id="{FF4AF87E-A15D-4480-B791-15D75F8AF848}" type="datetimeFigureOut">
               <a:rPr lang="pt-PT" smtClean="0"/>
-              <a:t>25/01/2024</a:t>
+              <a:t>11/04/2024</a:t>
             </a:fld>
             <a:endParaRPr lang="pt-PT"/>
           </a:p>
@@ -2889,7 +2891,7 @@
           <a:p>
             <a:fld id="{FF4AF87E-A15D-4480-B791-15D75F8AF848}" type="datetimeFigureOut">
               <a:rPr lang="pt-PT" smtClean="0"/>
-              <a:t>25/01/2024</a:t>
+              <a:t>11/04/2024</a:t>
             </a:fld>
             <a:endParaRPr lang="pt-PT"/>
           </a:p>
@@ -3071,7 +3073,7 @@
           <a:p>
             <a:fld id="{5FC36660-F7C2-4C37-BD61-E2E985519A54}" type="datetime1">
               <a:rPr lang="pt-PT" smtClean="0"/>
-              <a:t>25/01/2024</a:t>
+              <a:t>11/04/2024</a:t>
             </a:fld>
             <a:endParaRPr lang="pt-PT" dirty="0"/>
           </a:p>
@@ -3348,7 +3350,7 @@
           <a:p>
             <a:fld id="{FF4AF87E-A15D-4480-B791-15D75F8AF848}" type="datetimeFigureOut">
               <a:rPr lang="pt-PT" smtClean="0"/>
-              <a:t>25/01/2024</a:t>
+              <a:t>11/04/2024</a:t>
             </a:fld>
             <a:endParaRPr lang="pt-PT"/>
           </a:p>
@@ -3548,7 +3550,7 @@
           <a:p>
             <a:fld id="{FF4AF87E-A15D-4480-B791-15D75F8AF848}" type="datetimeFigureOut">
               <a:rPr lang="pt-PT" smtClean="0"/>
-              <a:t>25/01/2024</a:t>
+              <a:t>11/04/2024</a:t>
             </a:fld>
             <a:endParaRPr lang="pt-PT"/>
           </a:p>
@@ -3758,7 +3760,7 @@
           <a:p>
             <a:fld id="{FF4AF87E-A15D-4480-B791-15D75F8AF848}" type="datetimeFigureOut">
               <a:rPr lang="pt-PT" smtClean="0"/>
-              <a:t>25/01/2024</a:t>
+              <a:t>11/04/2024</a:t>
             </a:fld>
             <a:endParaRPr lang="pt-PT"/>
           </a:p>
@@ -4016,7 +4018,7 @@
           <a:p>
             <a:fld id="{EC1C553A-1723-4842-A3DB-E76BD21F5C6D}" type="datetime1">
               <a:rPr lang="pt-PT" smtClean="0"/>
-              <a:t>25/01/2024</a:t>
+              <a:t>11/04/2024</a:t>
             </a:fld>
             <a:endParaRPr lang="pt-PT" dirty="0"/>
           </a:p>
@@ -4248,7 +4250,7 @@
           <a:p>
             <a:fld id="{CE9B351E-3840-4886-B007-BC84D7C14686}" type="datetime1">
               <a:rPr lang="pt-PT" smtClean="0"/>
-              <a:t>25/01/2024</a:t>
+              <a:t>11/04/2024</a:t>
             </a:fld>
             <a:endParaRPr lang="pt-PT" dirty="0"/>
           </a:p>
@@ -4615,7 +4617,7 @@
           <a:p>
             <a:fld id="{C8686839-F4ED-436E-9AC9-AC7A0A0CD179}" type="datetime1">
               <a:rPr lang="pt-PT" smtClean="0"/>
-              <a:t>25/01/2024</a:t>
+              <a:t>11/04/2024</a:t>
             </a:fld>
             <a:endParaRPr lang="pt-PT" dirty="0"/>
           </a:p>
@@ -4733,7 +4735,7 @@
           <a:p>
             <a:fld id="{2AB82247-1A7C-4F98-8F33-5E4D07EFBF12}" type="datetime1">
               <a:rPr lang="pt-PT" smtClean="0"/>
-              <a:t>25/01/2024</a:t>
+              <a:t>11/04/2024</a:t>
             </a:fld>
             <a:endParaRPr lang="pt-PT" dirty="0"/>
           </a:p>
@@ -4828,7 +4830,7 @@
           <a:p>
             <a:fld id="{AFE320DE-3391-4A27-9653-F2BD505B9A08}" type="datetime1">
               <a:rPr lang="pt-PT" smtClean="0"/>
-              <a:t>25/01/2024</a:t>
+              <a:t>11/04/2024</a:t>
             </a:fld>
             <a:endParaRPr lang="pt-PT" dirty="0"/>
           </a:p>
@@ -5105,7 +5107,7 @@
           <a:p>
             <a:fld id="{E69250C8-88B2-4209-BD56-05813AC521DC}" type="datetime1">
               <a:rPr lang="pt-PT" smtClean="0"/>
-              <a:t>25/01/2024</a:t>
+              <a:t>11/04/2024</a:t>
             </a:fld>
             <a:endParaRPr lang="pt-PT" dirty="0"/>
           </a:p>
@@ -5358,7 +5360,7 @@
           <a:p>
             <a:fld id="{0B847055-2F12-42A4-9432-334276564B1D}" type="datetime1">
               <a:rPr lang="pt-PT" smtClean="0"/>
-              <a:t>25/01/2024</a:t>
+              <a:t>11/04/2024</a:t>
             </a:fld>
             <a:endParaRPr lang="pt-PT" dirty="0"/>
           </a:p>
@@ -5571,7 +5573,7 @@
           <a:p>
             <a:fld id="{B0883CD8-EC5B-4369-8F97-BE1E84F10887}" type="datetime1">
               <a:rPr lang="pt-PT" smtClean="0"/>
-              <a:t>25/01/2024</a:t>
+              <a:t>11/04/2024</a:t>
             </a:fld>
             <a:endParaRPr lang="pt-PT" dirty="0"/>
           </a:p>
@@ -6130,7 +6132,7 @@
           <a:p>
             <a:fld id="{FF4AF87E-A15D-4480-B791-15D75F8AF848}" type="datetimeFigureOut">
               <a:rPr lang="pt-PT" smtClean="0"/>
-              <a:t>25/01/2024</a:t>
+              <a:t>11/04/2024</a:t>
             </a:fld>
             <a:endParaRPr lang="pt-PT"/>
           </a:p>
@@ -6573,42 +6575,12 @@
         </p:nvSpPr>
         <p:spPr>
           <a:xfrm>
-            <a:off x="145062" y="123804"/>
-            <a:ext cx="756938" cy="369332"/>
+            <a:off x="0" y="-327070"/>
+            <a:ext cx="529312" cy="258532"/>
           </a:xfrm>
-          <a:gradFill>
-            <a:gsLst>
-              <a:gs pos="0">
-                <a:schemeClr val="accent1">
-                  <a:lumMod val="5000"/>
-                  <a:lumOff val="95000"/>
-                </a:schemeClr>
-              </a:gs>
-              <a:gs pos="74000">
-                <a:schemeClr val="accent1">
-                  <a:lumMod val="45000"/>
-                  <a:lumOff val="55000"/>
-                </a:schemeClr>
-              </a:gs>
-              <a:gs pos="83000">
-                <a:schemeClr val="accent1">
-                  <a:lumMod val="45000"/>
-                  <a:lumOff val="55000"/>
-                </a:schemeClr>
-              </a:gs>
-              <a:gs pos="100000">
-                <a:schemeClr val="accent1">
-                  <a:lumMod val="30000"/>
-                  <a:lumOff val="70000"/>
-                </a:schemeClr>
-              </a:gs>
-            </a:gsLst>
-            <a:lin ang="5400000" scaled="1"/>
-          </a:gradFill>
+          <a:noFill/>
           <a:ln w="25400">
-            <a:solidFill>
-              <a:schemeClr val="accent1"/>
-            </a:solidFill>
+            <a:noFill/>
           </a:ln>
         </p:spPr>
         <p:txBody>
@@ -6619,7 +6591,7 @@
           <a:p>
             <a:pPr algn="l"/>
             <a:r>
-              <a:rPr lang="en-US" sz="2000" dirty="0">
+              <a:rPr lang="en-US" sz="1200" dirty="0">
                 <a:solidFill>
                   <a:schemeClr val="bg2">
                     <a:lumMod val="25000"/>
@@ -6629,304 +6601,13 @@
               </a:rPr>
               <a:t>1. pip</a:t>
             </a:r>
-            <a:endParaRPr lang="en-US" sz="2000" dirty="0">
+            <a:endParaRPr lang="en-US" sz="1200" dirty="0">
               <a:solidFill>
                 <a:schemeClr val="bg2">
                   <a:lumMod val="25000"/>
                 </a:schemeClr>
               </a:solidFill>
             </a:endParaRPr>
-          </a:p>
-        </p:txBody>
-      </p:sp>
-      <p:sp>
-        <p:nvSpPr>
-          <p:cNvPr id="5" name="Rectangle 4">
-            <a:extLst>
-              <a:ext uri="{FF2B5EF4-FFF2-40B4-BE49-F238E27FC236}">
-                <a16:creationId xmlns:a16="http://schemas.microsoft.com/office/drawing/2014/main" id="{D45E34D6-120F-44F6-96A2-17230046C2F4}"/>
-              </a:ext>
-            </a:extLst>
-          </p:cNvPr>
-          <p:cNvSpPr/>
-          <p:nvPr/>
-        </p:nvSpPr>
-        <p:spPr>
-          <a:xfrm>
-            <a:off x="145062" y="633528"/>
-            <a:ext cx="207692" cy="6048000"/>
-          </a:xfrm>
-          <a:prstGeom prst="rect">
-            <a:avLst/>
-          </a:prstGeom>
-          <a:solidFill>
-            <a:schemeClr val="tx1"/>
-          </a:solidFill>
-          <a:ln w="25400"/>
-          <a:effectLst>
-            <a:outerShdw blurRad="50800" dist="63500" dir="2700000" algn="tl" rotWithShape="0">
-              <a:schemeClr val="bg1">
-                <a:alpha val="40000"/>
-              </a:schemeClr>
-            </a:outerShdw>
-          </a:effectLst>
-        </p:spPr>
-        <p:style>
-          <a:lnRef idx="2">
-            <a:schemeClr val="accent1">
-              <a:shade val="50000"/>
-            </a:schemeClr>
-          </a:lnRef>
-          <a:fillRef idx="1">
-            <a:schemeClr val="accent1"/>
-          </a:fillRef>
-          <a:effectRef idx="0">
-            <a:schemeClr val="accent1"/>
-          </a:effectRef>
-          <a:fontRef idx="minor">
-            <a:schemeClr val="lt1"/>
-          </a:fontRef>
-        </p:style>
-        <p:txBody>
-          <a:bodyPr rtlCol="0" anchor="ctr"/>
-          <a:lstStyle/>
-          <a:p>
-            <a:pPr marL="0" marR="0" lvl="0" indent="0" algn="ctr" defTabSz="914400" rtl="0" eaLnBrk="1" fontAlgn="auto" latinLnBrk="0" hangingPunct="1">
-              <a:lnSpc>
-                <a:spcPct val="100000"/>
-              </a:lnSpc>
-              <a:spcBef>
-                <a:spcPts val="0"/>
-              </a:spcBef>
-              <a:spcAft>
-                <a:spcPts val="0"/>
-              </a:spcAft>
-              <a:buClrTx/>
-              <a:buSzTx/>
-              <a:buFontTx/>
-              <a:buNone/>
-              <a:tabLst/>
-              <a:defRPr/>
-            </a:pPr>
-            <a:endParaRPr kumimoji="0" lang="pt-PT" sz="1800" b="0" i="0" u="none" strike="noStrike" kern="1200" cap="none" spc="0" normalizeH="0" baseline="0" noProof="0">
-              <a:ln>
-                <a:noFill/>
-              </a:ln>
-              <a:solidFill>
-                <a:prstClr val="white"/>
-              </a:solidFill>
-              <a:effectLst/>
-              <a:uLnTx/>
-              <a:uFillTx/>
-              <a:latin typeface="Calibri" panose="020F0502020204030204"/>
-              <a:ea typeface="+mn-ea"/>
-              <a:cs typeface="+mn-cs"/>
-            </a:endParaRPr>
-          </a:p>
-        </p:txBody>
-      </p:sp>
-      <p:sp>
-        <p:nvSpPr>
-          <p:cNvPr id="8" name="Arrow: Right 5">
-            <a:extLst>
-              <a:ext uri="{FF2B5EF4-FFF2-40B4-BE49-F238E27FC236}">
-                <a16:creationId xmlns:a16="http://schemas.microsoft.com/office/drawing/2014/main" id="{B9CFDE67-358F-40AB-A205-0236CB52ADC0}"/>
-              </a:ext>
-            </a:extLst>
-          </p:cNvPr>
-          <p:cNvSpPr/>
-          <p:nvPr/>
-        </p:nvSpPr>
-        <p:spPr>
-          <a:xfrm>
-            <a:off x="261441" y="740052"/>
-            <a:ext cx="955516" cy="276999"/>
-          </a:xfrm>
-          <a:custGeom>
-            <a:avLst/>
-            <a:gdLst>
-              <a:gd name="connsiteX0" fmla="*/ 0 w 1727200"/>
-              <a:gd name="connsiteY0" fmla="*/ 119380 h 477520"/>
-              <a:gd name="connsiteX1" fmla="*/ 1488440 w 1727200"/>
-              <a:gd name="connsiteY1" fmla="*/ 119380 h 477520"/>
-              <a:gd name="connsiteX2" fmla="*/ 1488440 w 1727200"/>
-              <a:gd name="connsiteY2" fmla="*/ 0 h 477520"/>
-              <a:gd name="connsiteX3" fmla="*/ 1727200 w 1727200"/>
-              <a:gd name="connsiteY3" fmla="*/ 238760 h 477520"/>
-              <a:gd name="connsiteX4" fmla="*/ 1488440 w 1727200"/>
-              <a:gd name="connsiteY4" fmla="*/ 477520 h 477520"/>
-              <a:gd name="connsiteX5" fmla="*/ 1488440 w 1727200"/>
-              <a:gd name="connsiteY5" fmla="*/ 358140 h 477520"/>
-              <a:gd name="connsiteX6" fmla="*/ 0 w 1727200"/>
-              <a:gd name="connsiteY6" fmla="*/ 358140 h 477520"/>
-              <a:gd name="connsiteX7" fmla="*/ 0 w 1727200"/>
-              <a:gd name="connsiteY7" fmla="*/ 119380 h 477520"/>
-              <a:gd name="connsiteX0" fmla="*/ 0 w 1727200"/>
-              <a:gd name="connsiteY0" fmla="*/ 11803 h 369943"/>
-              <a:gd name="connsiteX1" fmla="*/ 1488440 w 1727200"/>
-              <a:gd name="connsiteY1" fmla="*/ 11803 h 369943"/>
-              <a:gd name="connsiteX2" fmla="*/ 1488440 w 1727200"/>
-              <a:gd name="connsiteY2" fmla="*/ 0 h 369943"/>
-              <a:gd name="connsiteX3" fmla="*/ 1727200 w 1727200"/>
-              <a:gd name="connsiteY3" fmla="*/ 131183 h 369943"/>
-              <a:gd name="connsiteX4" fmla="*/ 1488440 w 1727200"/>
-              <a:gd name="connsiteY4" fmla="*/ 369943 h 369943"/>
-              <a:gd name="connsiteX5" fmla="*/ 1488440 w 1727200"/>
-              <a:gd name="connsiteY5" fmla="*/ 250563 h 369943"/>
-              <a:gd name="connsiteX6" fmla="*/ 0 w 1727200"/>
-              <a:gd name="connsiteY6" fmla="*/ 250563 h 369943"/>
-              <a:gd name="connsiteX7" fmla="*/ 0 w 1727200"/>
-              <a:gd name="connsiteY7" fmla="*/ 11803 h 369943"/>
-              <a:gd name="connsiteX0" fmla="*/ 0 w 1727200"/>
-              <a:gd name="connsiteY0" fmla="*/ 0 h 358140"/>
-              <a:gd name="connsiteX1" fmla="*/ 1488440 w 1727200"/>
-              <a:gd name="connsiteY1" fmla="*/ 0 h 358140"/>
-              <a:gd name="connsiteX2" fmla="*/ 1497538 w 1727200"/>
-              <a:gd name="connsiteY2" fmla="*/ 6394 h 358140"/>
-              <a:gd name="connsiteX3" fmla="*/ 1727200 w 1727200"/>
-              <a:gd name="connsiteY3" fmla="*/ 119380 h 358140"/>
-              <a:gd name="connsiteX4" fmla="*/ 1488440 w 1727200"/>
-              <a:gd name="connsiteY4" fmla="*/ 358140 h 358140"/>
-              <a:gd name="connsiteX5" fmla="*/ 1488440 w 1727200"/>
-              <a:gd name="connsiteY5" fmla="*/ 238760 h 358140"/>
-              <a:gd name="connsiteX6" fmla="*/ 0 w 1727200"/>
-              <a:gd name="connsiteY6" fmla="*/ 238760 h 358140"/>
-              <a:gd name="connsiteX7" fmla="*/ 0 w 1727200"/>
-              <a:gd name="connsiteY7" fmla="*/ 0 h 358140"/>
-              <a:gd name="connsiteX0" fmla="*/ 0 w 1727200"/>
-              <a:gd name="connsiteY0" fmla="*/ 0 h 239859"/>
-              <a:gd name="connsiteX1" fmla="*/ 1488440 w 1727200"/>
-              <a:gd name="connsiteY1" fmla="*/ 0 h 239859"/>
-              <a:gd name="connsiteX2" fmla="*/ 1497538 w 1727200"/>
-              <a:gd name="connsiteY2" fmla="*/ 6394 h 239859"/>
-              <a:gd name="connsiteX3" fmla="*/ 1727200 w 1727200"/>
-              <a:gd name="connsiteY3" fmla="*/ 119380 h 239859"/>
-              <a:gd name="connsiteX4" fmla="*/ 1492989 w 1727200"/>
-              <a:gd name="connsiteY4" fmla="*/ 239859 h 239859"/>
-              <a:gd name="connsiteX5" fmla="*/ 1488440 w 1727200"/>
-              <a:gd name="connsiteY5" fmla="*/ 238760 h 239859"/>
-              <a:gd name="connsiteX6" fmla="*/ 0 w 1727200"/>
-              <a:gd name="connsiteY6" fmla="*/ 238760 h 239859"/>
-              <a:gd name="connsiteX7" fmla="*/ 0 w 1727200"/>
-              <a:gd name="connsiteY7" fmla="*/ 0 h 239859"/>
-            </a:gdLst>
-            <a:ahLst/>
-            <a:cxnLst>
-              <a:cxn ang="0">
-                <a:pos x="connsiteX0" y="connsiteY0"/>
-              </a:cxn>
-              <a:cxn ang="0">
-                <a:pos x="connsiteX1" y="connsiteY1"/>
-              </a:cxn>
-              <a:cxn ang="0">
-                <a:pos x="connsiteX2" y="connsiteY2"/>
-              </a:cxn>
-              <a:cxn ang="0">
-                <a:pos x="connsiteX3" y="connsiteY3"/>
-              </a:cxn>
-              <a:cxn ang="0">
-                <a:pos x="connsiteX4" y="connsiteY4"/>
-              </a:cxn>
-              <a:cxn ang="0">
-                <a:pos x="connsiteX5" y="connsiteY5"/>
-              </a:cxn>
-              <a:cxn ang="0">
-                <a:pos x="connsiteX6" y="connsiteY6"/>
-              </a:cxn>
-              <a:cxn ang="0">
-                <a:pos x="connsiteX7" y="connsiteY7"/>
-              </a:cxn>
-            </a:cxnLst>
-            <a:rect l="l" t="t" r="r" b="b"/>
-            <a:pathLst>
-              <a:path w="1727200" h="239859">
-                <a:moveTo>
-                  <a:pt x="0" y="0"/>
-                </a:moveTo>
-                <a:lnTo>
-                  <a:pt x="1488440" y="0"/>
-                </a:lnTo>
-                <a:lnTo>
-                  <a:pt x="1497538" y="6394"/>
-                </a:lnTo>
-                <a:lnTo>
-                  <a:pt x="1727200" y="119380"/>
-                </a:lnTo>
-                <a:lnTo>
-                  <a:pt x="1492989" y="239859"/>
-                </a:lnTo>
-                <a:lnTo>
-                  <a:pt x="1488440" y="238760"/>
-                </a:lnTo>
-                <a:lnTo>
-                  <a:pt x="0" y="238760"/>
-                </a:lnTo>
-                <a:lnTo>
-                  <a:pt x="0" y="0"/>
-                </a:lnTo>
-                <a:close/>
-              </a:path>
-            </a:pathLst>
-          </a:custGeom>
-          <a:solidFill>
-            <a:sysClr val="windowText" lastClr="000000"/>
-          </a:solidFill>
-          <a:ln w="25400" cap="flat" cmpd="sng" algn="ctr">
-            <a:solidFill>
-              <a:srgbClr val="FFC000">
-                <a:lumMod val="60000"/>
-                <a:lumOff val="40000"/>
-              </a:srgbClr>
-            </a:solidFill>
-            <a:prstDash val="solid"/>
-            <a:miter lim="800000"/>
-          </a:ln>
-          <a:effectLst>
-            <a:outerShdw blurRad="50800" dist="63500" dir="2700000" algn="tl" rotWithShape="0">
-              <a:sysClr val="window" lastClr="FFFFFF">
-                <a:alpha val="40000"/>
-              </a:sysClr>
-            </a:outerShdw>
-          </a:effectLst>
-        </p:spPr>
-        <p:txBody>
-          <a:bodyPr wrap="none" lIns="90000" tIns="0" rIns="180000" bIns="0" rtlCol="0" anchor="ctr">
-            <a:spAutoFit/>
-          </a:bodyPr>
-          <a:lstStyle/>
-          <a:p>
-            <a:pPr marL="0" marR="0" lvl="0" indent="0" defTabSz="914369" eaLnBrk="1" fontAlgn="auto" latinLnBrk="0" hangingPunct="1">
-              <a:lnSpc>
-                <a:spcPct val="100000"/>
-              </a:lnSpc>
-              <a:spcBef>
-                <a:spcPts val="0"/>
-              </a:spcBef>
-              <a:spcAft>
-                <a:spcPts val="0"/>
-              </a:spcAft>
-              <a:buClrTx/>
-              <a:buSzTx/>
-              <a:buFontTx/>
-              <a:buNone/>
-              <a:tabLst/>
-              <a:defRPr/>
-            </a:pPr>
-            <a:r>
-              <a:rPr kumimoji="0" lang="en-US" sz="1800" b="0" i="0" u="none" strike="noStrike" kern="0" cap="none" spc="0" normalizeH="0" baseline="0" noProof="0" dirty="0">
-                <a:ln>
-                  <a:noFill/>
-                </a:ln>
-                <a:solidFill>
-                  <a:prstClr val="white"/>
-                </a:solidFill>
-                <a:effectLst/>
-                <a:uLnTx/>
-                <a:uFillTx/>
-                <a:latin typeface="Calibri Light" panose="020F0302020204030204"/>
-              </a:rPr>
-              <a:t>tutorial</a:t>
-            </a:r>
           </a:p>
         </p:txBody>
       </p:sp>
@@ -8284,6 +7965,2447 @@
 </file>
 
 <file path=ppt/slides/slide3.xml><?xml version="1.0" encoding="utf-8"?>
+<p:sld xmlns:a="http://schemas.openxmlformats.org/drawingml/2006/main" xmlns:r="http://schemas.openxmlformats.org/officeDocument/2006/relationships" xmlns:p="http://schemas.openxmlformats.org/presentationml/2006/main">
+  <p:cSld>
+    <p:bg>
+      <p:bgPr>
+        <a:solidFill>
+          <a:schemeClr val="tx1"/>
+        </a:solidFill>
+        <a:effectLst/>
+      </p:bgPr>
+    </p:bg>
+    <p:spTree>
+      <p:nvGrpSpPr>
+        <p:cNvPr id="1" name="">
+          <a:extLst>
+            <a:ext uri="{FF2B5EF4-FFF2-40B4-BE49-F238E27FC236}">
+              <a16:creationId xmlns:a16="http://schemas.microsoft.com/office/drawing/2014/main" id="{BD94F728-2F20-A092-7FE4-C137EFF2DF51}"/>
+            </a:ext>
+          </a:extLst>
+        </p:cNvPr>
+        <p:cNvGrpSpPr/>
+        <p:nvPr/>
+      </p:nvGrpSpPr>
+      <p:grpSpPr>
+        <a:xfrm>
+          <a:off x="0" y="0"/>
+          <a:ext cx="0" cy="0"/>
+          <a:chOff x="0" y="0"/>
+          <a:chExt cx="0" cy="0"/>
+        </a:xfrm>
+      </p:grpSpPr>
+      <p:pic>
+        <p:nvPicPr>
+          <p:cNvPr id="16" name="Picture 15">
+            <a:extLst>
+              <a:ext uri="{FF2B5EF4-FFF2-40B4-BE49-F238E27FC236}">
+                <a16:creationId xmlns:a16="http://schemas.microsoft.com/office/drawing/2014/main" id="{32CC8BD2-8639-706E-6901-97BAA15E439C}"/>
+              </a:ext>
+            </a:extLst>
+          </p:cNvPr>
+          <p:cNvPicPr>
+            <a:picLocks noChangeAspect="1"/>
+          </p:cNvPicPr>
+          <p:nvPr/>
+        </p:nvPicPr>
+        <p:blipFill>
+          <a:blip r:embed="rId2"/>
+          <a:stretch>
+            <a:fillRect/>
+          </a:stretch>
+        </p:blipFill>
+        <p:spPr>
+          <a:xfrm>
+            <a:off x="515546" y="740052"/>
+            <a:ext cx="3315397" cy="4717593"/>
+          </a:xfrm>
+          <a:prstGeom prst="rect">
+            <a:avLst/>
+          </a:prstGeom>
+          <a:ln w="50800">
+            <a:solidFill>
+              <a:srgbClr val="70AD47">
+                <a:lumMod val="60000"/>
+                <a:lumOff val="40000"/>
+              </a:srgbClr>
+            </a:solidFill>
+          </a:ln>
+          <a:effectLst>
+            <a:outerShdw blurRad="50800" dist="127000" dir="2700000" algn="tl" rotWithShape="0">
+              <a:sysClr val="window" lastClr="FFFFFF">
+                <a:alpha val="40000"/>
+              </a:sysClr>
+            </a:outerShdw>
+          </a:effectLst>
+        </p:spPr>
+      </p:pic>
+      <p:sp>
+        <p:nvSpPr>
+          <p:cNvPr id="2" name="Title 1">
+            <a:extLst>
+              <a:ext uri="{FF2B5EF4-FFF2-40B4-BE49-F238E27FC236}">
+                <a16:creationId xmlns:a16="http://schemas.microsoft.com/office/drawing/2014/main" id="{45F63316-FFF7-1A16-8D25-AC59A3E1BAA5}"/>
+              </a:ext>
+            </a:extLst>
+          </p:cNvPr>
+          <p:cNvSpPr>
+            <a:spLocks noGrp="1"/>
+          </p:cNvSpPr>
+          <p:nvPr>
+            <p:ph type="ctrTitle"/>
+          </p:nvPr>
+        </p:nvSpPr>
+        <p:spPr>
+          <a:xfrm>
+            <a:off x="145062" y="123804"/>
+            <a:ext cx="1033745" cy="369332"/>
+          </a:xfrm>
+          <a:gradFill>
+            <a:gsLst>
+              <a:gs pos="0">
+                <a:schemeClr val="accent1">
+                  <a:lumMod val="5000"/>
+                  <a:lumOff val="95000"/>
+                </a:schemeClr>
+              </a:gs>
+              <a:gs pos="74000">
+                <a:schemeClr val="accent1">
+                  <a:lumMod val="45000"/>
+                  <a:lumOff val="55000"/>
+                </a:schemeClr>
+              </a:gs>
+              <a:gs pos="83000">
+                <a:schemeClr val="accent1">
+                  <a:lumMod val="45000"/>
+                  <a:lumOff val="55000"/>
+                </a:schemeClr>
+              </a:gs>
+              <a:gs pos="100000">
+                <a:schemeClr val="accent1">
+                  <a:lumMod val="30000"/>
+                  <a:lumOff val="70000"/>
+                </a:schemeClr>
+              </a:gs>
+            </a:gsLst>
+            <a:lin ang="5400000" scaled="1"/>
+          </a:gradFill>
+          <a:ln w="25400">
+            <a:solidFill>
+              <a:schemeClr val="accent1"/>
+            </a:solidFill>
+          </a:ln>
+        </p:spPr>
+        <p:txBody>
+          <a:bodyPr vert="horz" wrap="none" lIns="91440" tIns="45720" rIns="91440" bIns="45720" rtlCol="0" anchor="t">
+            <a:spAutoFit/>
+          </a:bodyPr>
+          <a:lstStyle/>
+          <a:p>
+            <a:pPr algn="l"/>
+            <a:r>
+              <a:rPr lang="en-US" sz="2000" dirty="0">
+                <a:solidFill>
+                  <a:schemeClr val="bg2">
+                    <a:lumMod val="25000"/>
+                  </a:schemeClr>
+                </a:solidFill>
+                <a:sym typeface="Wingdings" panose="05000000000000000000" pitchFamily="2" charset="2"/>
+              </a:rPr>
+              <a:t>3. install</a:t>
+            </a:r>
+            <a:endParaRPr lang="en-US" sz="2000" dirty="0">
+              <a:solidFill>
+                <a:schemeClr val="bg2">
+                  <a:lumMod val="25000"/>
+                </a:schemeClr>
+              </a:solidFill>
+            </a:endParaRPr>
+          </a:p>
+        </p:txBody>
+      </p:sp>
+      <p:sp>
+        <p:nvSpPr>
+          <p:cNvPr id="5" name="Rectangle 4">
+            <a:extLst>
+              <a:ext uri="{FF2B5EF4-FFF2-40B4-BE49-F238E27FC236}">
+                <a16:creationId xmlns:a16="http://schemas.microsoft.com/office/drawing/2014/main" id="{32DB629E-7344-C7B8-B050-7BA338F3DA7B}"/>
+              </a:ext>
+            </a:extLst>
+          </p:cNvPr>
+          <p:cNvSpPr/>
+          <p:nvPr/>
+        </p:nvSpPr>
+        <p:spPr>
+          <a:xfrm>
+            <a:off x="145062" y="633528"/>
+            <a:ext cx="207692" cy="6048000"/>
+          </a:xfrm>
+          <a:prstGeom prst="rect">
+            <a:avLst/>
+          </a:prstGeom>
+          <a:solidFill>
+            <a:schemeClr val="tx1"/>
+          </a:solidFill>
+          <a:ln w="25400"/>
+          <a:effectLst>
+            <a:outerShdw blurRad="50800" dist="63500" dir="2700000" algn="tl" rotWithShape="0">
+              <a:schemeClr val="bg1">
+                <a:alpha val="40000"/>
+              </a:schemeClr>
+            </a:outerShdw>
+          </a:effectLst>
+        </p:spPr>
+        <p:style>
+          <a:lnRef idx="2">
+            <a:schemeClr val="accent1">
+              <a:shade val="50000"/>
+            </a:schemeClr>
+          </a:lnRef>
+          <a:fillRef idx="1">
+            <a:schemeClr val="accent1"/>
+          </a:fillRef>
+          <a:effectRef idx="0">
+            <a:schemeClr val="accent1"/>
+          </a:effectRef>
+          <a:fontRef idx="minor">
+            <a:schemeClr val="lt1"/>
+          </a:fontRef>
+        </p:style>
+        <p:txBody>
+          <a:bodyPr rtlCol="0" anchor="ctr"/>
+          <a:lstStyle/>
+          <a:p>
+            <a:pPr marL="0" marR="0" lvl="0" indent="0" algn="ctr" defTabSz="914400" rtl="0" eaLnBrk="1" fontAlgn="auto" latinLnBrk="0" hangingPunct="1">
+              <a:lnSpc>
+                <a:spcPct val="100000"/>
+              </a:lnSpc>
+              <a:spcBef>
+                <a:spcPts val="0"/>
+              </a:spcBef>
+              <a:spcAft>
+                <a:spcPts val="0"/>
+              </a:spcAft>
+              <a:buClrTx/>
+              <a:buSzTx/>
+              <a:buFontTx/>
+              <a:buNone/>
+              <a:tabLst/>
+              <a:defRPr/>
+            </a:pPr>
+            <a:endParaRPr kumimoji="0" lang="pt-PT" sz="1800" b="0" i="0" u="none" strike="noStrike" kern="1200" cap="none" spc="0" normalizeH="0" baseline="0" noProof="0">
+              <a:ln>
+                <a:noFill/>
+              </a:ln>
+              <a:solidFill>
+                <a:prstClr val="white"/>
+              </a:solidFill>
+              <a:effectLst/>
+              <a:uLnTx/>
+              <a:uFillTx/>
+              <a:latin typeface="Calibri" panose="020F0502020204030204"/>
+              <a:ea typeface="+mn-ea"/>
+              <a:cs typeface="+mn-cs"/>
+            </a:endParaRPr>
+          </a:p>
+        </p:txBody>
+      </p:sp>
+      <p:sp>
+        <p:nvSpPr>
+          <p:cNvPr id="8" name="Arrow: Right 5">
+            <a:extLst>
+              <a:ext uri="{FF2B5EF4-FFF2-40B4-BE49-F238E27FC236}">
+                <a16:creationId xmlns:a16="http://schemas.microsoft.com/office/drawing/2014/main" id="{00666234-AEE4-FA2C-D888-517E121F5C11}"/>
+              </a:ext>
+            </a:extLst>
+          </p:cNvPr>
+          <p:cNvSpPr/>
+          <p:nvPr/>
+        </p:nvSpPr>
+        <p:spPr>
+          <a:xfrm>
+            <a:off x="278694" y="740052"/>
+            <a:ext cx="739111" cy="276999"/>
+          </a:xfrm>
+          <a:custGeom>
+            <a:avLst/>
+            <a:gdLst>
+              <a:gd name="connsiteX0" fmla="*/ 0 w 1727200"/>
+              <a:gd name="connsiteY0" fmla="*/ 119380 h 477520"/>
+              <a:gd name="connsiteX1" fmla="*/ 1488440 w 1727200"/>
+              <a:gd name="connsiteY1" fmla="*/ 119380 h 477520"/>
+              <a:gd name="connsiteX2" fmla="*/ 1488440 w 1727200"/>
+              <a:gd name="connsiteY2" fmla="*/ 0 h 477520"/>
+              <a:gd name="connsiteX3" fmla="*/ 1727200 w 1727200"/>
+              <a:gd name="connsiteY3" fmla="*/ 238760 h 477520"/>
+              <a:gd name="connsiteX4" fmla="*/ 1488440 w 1727200"/>
+              <a:gd name="connsiteY4" fmla="*/ 477520 h 477520"/>
+              <a:gd name="connsiteX5" fmla="*/ 1488440 w 1727200"/>
+              <a:gd name="connsiteY5" fmla="*/ 358140 h 477520"/>
+              <a:gd name="connsiteX6" fmla="*/ 0 w 1727200"/>
+              <a:gd name="connsiteY6" fmla="*/ 358140 h 477520"/>
+              <a:gd name="connsiteX7" fmla="*/ 0 w 1727200"/>
+              <a:gd name="connsiteY7" fmla="*/ 119380 h 477520"/>
+              <a:gd name="connsiteX0" fmla="*/ 0 w 1727200"/>
+              <a:gd name="connsiteY0" fmla="*/ 11803 h 369943"/>
+              <a:gd name="connsiteX1" fmla="*/ 1488440 w 1727200"/>
+              <a:gd name="connsiteY1" fmla="*/ 11803 h 369943"/>
+              <a:gd name="connsiteX2" fmla="*/ 1488440 w 1727200"/>
+              <a:gd name="connsiteY2" fmla="*/ 0 h 369943"/>
+              <a:gd name="connsiteX3" fmla="*/ 1727200 w 1727200"/>
+              <a:gd name="connsiteY3" fmla="*/ 131183 h 369943"/>
+              <a:gd name="connsiteX4" fmla="*/ 1488440 w 1727200"/>
+              <a:gd name="connsiteY4" fmla="*/ 369943 h 369943"/>
+              <a:gd name="connsiteX5" fmla="*/ 1488440 w 1727200"/>
+              <a:gd name="connsiteY5" fmla="*/ 250563 h 369943"/>
+              <a:gd name="connsiteX6" fmla="*/ 0 w 1727200"/>
+              <a:gd name="connsiteY6" fmla="*/ 250563 h 369943"/>
+              <a:gd name="connsiteX7" fmla="*/ 0 w 1727200"/>
+              <a:gd name="connsiteY7" fmla="*/ 11803 h 369943"/>
+              <a:gd name="connsiteX0" fmla="*/ 0 w 1727200"/>
+              <a:gd name="connsiteY0" fmla="*/ 0 h 358140"/>
+              <a:gd name="connsiteX1" fmla="*/ 1488440 w 1727200"/>
+              <a:gd name="connsiteY1" fmla="*/ 0 h 358140"/>
+              <a:gd name="connsiteX2" fmla="*/ 1497538 w 1727200"/>
+              <a:gd name="connsiteY2" fmla="*/ 6394 h 358140"/>
+              <a:gd name="connsiteX3" fmla="*/ 1727200 w 1727200"/>
+              <a:gd name="connsiteY3" fmla="*/ 119380 h 358140"/>
+              <a:gd name="connsiteX4" fmla="*/ 1488440 w 1727200"/>
+              <a:gd name="connsiteY4" fmla="*/ 358140 h 358140"/>
+              <a:gd name="connsiteX5" fmla="*/ 1488440 w 1727200"/>
+              <a:gd name="connsiteY5" fmla="*/ 238760 h 358140"/>
+              <a:gd name="connsiteX6" fmla="*/ 0 w 1727200"/>
+              <a:gd name="connsiteY6" fmla="*/ 238760 h 358140"/>
+              <a:gd name="connsiteX7" fmla="*/ 0 w 1727200"/>
+              <a:gd name="connsiteY7" fmla="*/ 0 h 358140"/>
+              <a:gd name="connsiteX0" fmla="*/ 0 w 1727200"/>
+              <a:gd name="connsiteY0" fmla="*/ 0 h 239859"/>
+              <a:gd name="connsiteX1" fmla="*/ 1488440 w 1727200"/>
+              <a:gd name="connsiteY1" fmla="*/ 0 h 239859"/>
+              <a:gd name="connsiteX2" fmla="*/ 1497538 w 1727200"/>
+              <a:gd name="connsiteY2" fmla="*/ 6394 h 239859"/>
+              <a:gd name="connsiteX3" fmla="*/ 1727200 w 1727200"/>
+              <a:gd name="connsiteY3" fmla="*/ 119380 h 239859"/>
+              <a:gd name="connsiteX4" fmla="*/ 1492989 w 1727200"/>
+              <a:gd name="connsiteY4" fmla="*/ 239859 h 239859"/>
+              <a:gd name="connsiteX5" fmla="*/ 1488440 w 1727200"/>
+              <a:gd name="connsiteY5" fmla="*/ 238760 h 239859"/>
+              <a:gd name="connsiteX6" fmla="*/ 0 w 1727200"/>
+              <a:gd name="connsiteY6" fmla="*/ 238760 h 239859"/>
+              <a:gd name="connsiteX7" fmla="*/ 0 w 1727200"/>
+              <a:gd name="connsiteY7" fmla="*/ 0 h 239859"/>
+            </a:gdLst>
+            <a:ahLst/>
+            <a:cxnLst>
+              <a:cxn ang="0">
+                <a:pos x="connsiteX0" y="connsiteY0"/>
+              </a:cxn>
+              <a:cxn ang="0">
+                <a:pos x="connsiteX1" y="connsiteY1"/>
+              </a:cxn>
+              <a:cxn ang="0">
+                <a:pos x="connsiteX2" y="connsiteY2"/>
+              </a:cxn>
+              <a:cxn ang="0">
+                <a:pos x="connsiteX3" y="connsiteY3"/>
+              </a:cxn>
+              <a:cxn ang="0">
+                <a:pos x="connsiteX4" y="connsiteY4"/>
+              </a:cxn>
+              <a:cxn ang="0">
+                <a:pos x="connsiteX5" y="connsiteY5"/>
+              </a:cxn>
+              <a:cxn ang="0">
+                <a:pos x="connsiteX6" y="connsiteY6"/>
+              </a:cxn>
+              <a:cxn ang="0">
+                <a:pos x="connsiteX7" y="connsiteY7"/>
+              </a:cxn>
+            </a:cxnLst>
+            <a:rect l="l" t="t" r="r" b="b"/>
+            <a:pathLst>
+              <a:path w="1727200" h="239859">
+                <a:moveTo>
+                  <a:pt x="0" y="0"/>
+                </a:moveTo>
+                <a:lnTo>
+                  <a:pt x="1488440" y="0"/>
+                </a:lnTo>
+                <a:lnTo>
+                  <a:pt x="1497538" y="6394"/>
+                </a:lnTo>
+                <a:lnTo>
+                  <a:pt x="1727200" y="119380"/>
+                </a:lnTo>
+                <a:lnTo>
+                  <a:pt x="1492989" y="239859"/>
+                </a:lnTo>
+                <a:lnTo>
+                  <a:pt x="1488440" y="238760"/>
+                </a:lnTo>
+                <a:lnTo>
+                  <a:pt x="0" y="238760"/>
+                </a:lnTo>
+                <a:lnTo>
+                  <a:pt x="0" y="0"/>
+                </a:lnTo>
+                <a:close/>
+              </a:path>
+            </a:pathLst>
+          </a:custGeom>
+          <a:solidFill>
+            <a:sysClr val="windowText" lastClr="000000"/>
+          </a:solidFill>
+          <a:ln w="25400" cap="flat" cmpd="sng" algn="ctr">
+            <a:solidFill>
+              <a:srgbClr val="FFC000">
+                <a:lumMod val="60000"/>
+                <a:lumOff val="40000"/>
+              </a:srgbClr>
+            </a:solidFill>
+            <a:prstDash val="solid"/>
+            <a:miter lim="800000"/>
+          </a:ln>
+          <a:effectLst>
+            <a:outerShdw blurRad="50800" dist="63500" dir="2700000" algn="tl" rotWithShape="0">
+              <a:sysClr val="window" lastClr="FFFFFF">
+                <a:alpha val="40000"/>
+              </a:sysClr>
+            </a:outerShdw>
+          </a:effectLst>
+        </p:spPr>
+        <p:txBody>
+          <a:bodyPr wrap="none" lIns="90000" tIns="0" rIns="180000" bIns="0" rtlCol="0" anchor="ctr">
+            <a:spAutoFit/>
+          </a:bodyPr>
+          <a:lstStyle/>
+          <a:p>
+            <a:pPr marL="0" marR="0" lvl="0" indent="0" defTabSz="914369" eaLnBrk="1" fontAlgn="auto" latinLnBrk="0" hangingPunct="1">
+              <a:lnSpc>
+                <a:spcPct val="100000"/>
+              </a:lnSpc>
+              <a:spcBef>
+                <a:spcPts val="0"/>
+              </a:spcBef>
+              <a:spcAft>
+                <a:spcPts val="0"/>
+              </a:spcAft>
+              <a:buClrTx/>
+              <a:buSzTx/>
+              <a:buFontTx/>
+              <a:buNone/>
+              <a:tabLst/>
+              <a:defRPr/>
+            </a:pPr>
+            <a:r>
+              <a:rPr kumimoji="0" lang="en-US" sz="1800" b="0" i="0" u="none" strike="noStrike" kern="0" cap="none" spc="0" normalizeH="0" baseline="0" noProof="0" dirty="0">
+                <a:ln>
+                  <a:noFill/>
+                </a:ln>
+                <a:solidFill>
+                  <a:prstClr val="white"/>
+                </a:solidFill>
+                <a:effectLst/>
+                <a:uLnTx/>
+                <a:uFillTx/>
+                <a:latin typeface="Calibri Light" panose="020F0302020204030204"/>
+              </a:rPr>
+              <a:t>what</a:t>
+            </a:r>
+          </a:p>
+        </p:txBody>
+      </p:sp>
+      <p:pic>
+        <p:nvPicPr>
+          <p:cNvPr id="19" name="Picture 18">
+            <a:extLst>
+              <a:ext uri="{FF2B5EF4-FFF2-40B4-BE49-F238E27FC236}">
+                <a16:creationId xmlns:a16="http://schemas.microsoft.com/office/drawing/2014/main" id="{BFDF5623-EE3B-8FC0-40F2-3724E5B95756}"/>
+              </a:ext>
+            </a:extLst>
+          </p:cNvPr>
+          <p:cNvPicPr>
+            <a:picLocks noChangeAspect="1"/>
+          </p:cNvPicPr>
+          <p:nvPr/>
+        </p:nvPicPr>
+        <p:blipFill>
+          <a:blip r:embed="rId3"/>
+          <a:stretch>
+            <a:fillRect/>
+          </a:stretch>
+        </p:blipFill>
+        <p:spPr>
+          <a:xfrm>
+            <a:off x="4059797" y="740052"/>
+            <a:ext cx="3449852" cy="4479986"/>
+          </a:xfrm>
+          <a:prstGeom prst="rect">
+            <a:avLst/>
+          </a:prstGeom>
+          <a:ln w="50800">
+            <a:solidFill>
+              <a:srgbClr val="70AD47">
+                <a:lumMod val="60000"/>
+                <a:lumOff val="40000"/>
+              </a:srgbClr>
+            </a:solidFill>
+          </a:ln>
+          <a:effectLst>
+            <a:outerShdw blurRad="50800" dist="127000" dir="2700000" algn="tl" rotWithShape="0">
+              <a:sysClr val="window" lastClr="FFFFFF">
+                <a:alpha val="40000"/>
+              </a:sysClr>
+            </a:outerShdw>
+          </a:effectLst>
+        </p:spPr>
+      </p:pic>
+      <p:pic>
+        <p:nvPicPr>
+          <p:cNvPr id="24" name="Picture 23">
+            <a:extLst>
+              <a:ext uri="{FF2B5EF4-FFF2-40B4-BE49-F238E27FC236}">
+                <a16:creationId xmlns:a16="http://schemas.microsoft.com/office/drawing/2014/main" id="{3433D0C7-A765-91FC-6315-67B31848FE62}"/>
+              </a:ext>
+            </a:extLst>
+          </p:cNvPr>
+          <p:cNvPicPr>
+            <a:picLocks noChangeAspect="1"/>
+          </p:cNvPicPr>
+          <p:nvPr/>
+        </p:nvPicPr>
+        <p:blipFill>
+          <a:blip r:embed="rId4"/>
+          <a:stretch>
+            <a:fillRect/>
+          </a:stretch>
+        </p:blipFill>
+        <p:spPr>
+          <a:xfrm>
+            <a:off x="7738503" y="740052"/>
+            <a:ext cx="3957204" cy="2769061"/>
+          </a:xfrm>
+          <a:prstGeom prst="rect">
+            <a:avLst/>
+          </a:prstGeom>
+          <a:ln w="50800">
+            <a:solidFill>
+              <a:srgbClr val="70AD47">
+                <a:lumMod val="60000"/>
+                <a:lumOff val="40000"/>
+              </a:srgbClr>
+            </a:solidFill>
+          </a:ln>
+          <a:effectLst>
+            <a:outerShdw blurRad="50800" dist="127000" dir="2700000" algn="tl" rotWithShape="0">
+              <a:sysClr val="window" lastClr="FFFFFF">
+                <a:alpha val="40000"/>
+              </a:sysClr>
+            </a:outerShdw>
+          </a:effectLst>
+        </p:spPr>
+      </p:pic>
+      <p:sp>
+        <p:nvSpPr>
+          <p:cNvPr id="25" name="Speech Bubble: Rectangle 24">
+            <a:extLst>
+              <a:ext uri="{FF2B5EF4-FFF2-40B4-BE49-F238E27FC236}">
+                <a16:creationId xmlns:a16="http://schemas.microsoft.com/office/drawing/2014/main" id="{E11494C6-F7E8-D98D-39DF-9130D34408C2}"/>
+              </a:ext>
+            </a:extLst>
+          </p:cNvPr>
+          <p:cNvSpPr/>
+          <p:nvPr/>
+        </p:nvSpPr>
+        <p:spPr>
+          <a:xfrm>
+            <a:off x="4292928" y="5457645"/>
+            <a:ext cx="6699517" cy="257369"/>
+          </a:xfrm>
+          <a:prstGeom prst="wedgeRectCallout">
+            <a:avLst>
+              <a:gd name="adj1" fmla="val -33098"/>
+              <a:gd name="adj2" fmla="val -76607"/>
+            </a:avLst>
+          </a:prstGeom>
+          <a:solidFill>
+            <a:sysClr val="windowText" lastClr="000000"/>
+          </a:solidFill>
+          <a:ln>
+            <a:solidFill>
+              <a:srgbClr val="5B9BD5"/>
+            </a:solidFill>
+          </a:ln>
+          <a:effectLst>
+            <a:outerShdw blurRad="50800" dist="63500" dir="2700000" algn="tl" rotWithShape="0">
+              <a:sysClr val="window" lastClr="FFFFFF">
+                <a:alpha val="40000"/>
+              </a:sysClr>
+            </a:outerShdw>
+          </a:effectLst>
+        </p:spPr>
+        <p:txBody>
+          <a:bodyPr wrap="none" lIns="36000" tIns="36000" rIns="36000" bIns="36000" rtlCol="0">
+            <a:spAutoFit/>
+          </a:bodyPr>
+          <a:lstStyle/>
+          <a:p>
+            <a:pPr lvl="0" defTabSz="914369">
+              <a:defRPr/>
+            </a:pPr>
+            <a:r>
+              <a:rPr lang="en-US" sz="1200" kern="0">
+                <a:solidFill>
+                  <a:prstClr val="white"/>
+                </a:solidFill>
+                <a:latin typeface="Consolas" panose="020B0609020204030204" pitchFamily="49" charset="0"/>
+              </a:rPr>
+              <a:t>C:\Users\YourUsername\AppData\Local\Programs\Python\Python39\Lib\site-packages</a:t>
+            </a:r>
+            <a:endParaRPr kumimoji="0" lang="en-US" sz="1200" b="0" i="0" u="none" strike="noStrike" kern="0" cap="none" spc="0" normalizeH="0" baseline="0" noProof="0" dirty="0">
+              <a:ln>
+                <a:noFill/>
+              </a:ln>
+              <a:solidFill>
+                <a:prstClr val="white"/>
+              </a:solidFill>
+              <a:effectLst/>
+              <a:uLnTx/>
+              <a:uFillTx/>
+              <a:latin typeface="Consolas" panose="020B0609020204030204" pitchFamily="49" charset="0"/>
+            </a:endParaRPr>
+          </a:p>
+        </p:txBody>
+      </p:sp>
+    </p:spTree>
+    <p:extLst>
+      <p:ext uri="{BB962C8B-B14F-4D97-AF65-F5344CB8AC3E}">
+        <p14:creationId xmlns:p14="http://schemas.microsoft.com/office/powerpoint/2010/main" val="1669558080"/>
+      </p:ext>
+    </p:extLst>
+  </p:cSld>
+  <p:clrMapOvr>
+    <a:masterClrMapping/>
+  </p:clrMapOvr>
+</p:sld>
+</file>
+
+<file path=ppt/slides/slide4.xml><?xml version="1.0" encoding="utf-8"?>
+<p:sld xmlns:a="http://schemas.openxmlformats.org/drawingml/2006/main" xmlns:r="http://schemas.openxmlformats.org/officeDocument/2006/relationships" xmlns:p="http://schemas.openxmlformats.org/presentationml/2006/main">
+  <p:cSld>
+    <p:bg>
+      <p:bgPr>
+        <a:solidFill>
+          <a:schemeClr val="tx1"/>
+        </a:solidFill>
+        <a:effectLst/>
+      </p:bgPr>
+    </p:bg>
+    <p:spTree>
+      <p:nvGrpSpPr>
+        <p:cNvPr id="1" name="">
+          <a:extLst>
+            <a:ext uri="{FF2B5EF4-FFF2-40B4-BE49-F238E27FC236}">
+              <a16:creationId xmlns:a16="http://schemas.microsoft.com/office/drawing/2014/main" id="{C9349726-01E5-2280-EAEE-A561B36B1657}"/>
+            </a:ext>
+          </a:extLst>
+        </p:cNvPr>
+        <p:cNvGrpSpPr/>
+        <p:nvPr/>
+      </p:nvGrpSpPr>
+      <p:grpSpPr>
+        <a:xfrm>
+          <a:off x="0" y="0"/>
+          <a:ext cx="0" cy="0"/>
+          <a:chOff x="0" y="0"/>
+          <a:chExt cx="0" cy="0"/>
+        </a:xfrm>
+      </p:grpSpPr>
+      <p:sp>
+        <p:nvSpPr>
+          <p:cNvPr id="2" name="Title 1">
+            <a:extLst>
+              <a:ext uri="{FF2B5EF4-FFF2-40B4-BE49-F238E27FC236}">
+                <a16:creationId xmlns:a16="http://schemas.microsoft.com/office/drawing/2014/main" id="{28B0EA44-66D8-2AEA-B227-7D50FD5A8A4A}"/>
+              </a:ext>
+            </a:extLst>
+          </p:cNvPr>
+          <p:cNvSpPr>
+            <a:spLocks noGrp="1"/>
+          </p:cNvSpPr>
+          <p:nvPr>
+            <p:ph type="ctrTitle"/>
+          </p:nvPr>
+        </p:nvSpPr>
+        <p:spPr>
+          <a:xfrm>
+            <a:off x="145062" y="123804"/>
+            <a:ext cx="1397562" cy="369332"/>
+          </a:xfrm>
+          <a:gradFill>
+            <a:gsLst>
+              <a:gs pos="0">
+                <a:schemeClr val="accent1">
+                  <a:lumMod val="5000"/>
+                  <a:lumOff val="95000"/>
+                </a:schemeClr>
+              </a:gs>
+              <a:gs pos="74000">
+                <a:schemeClr val="accent1">
+                  <a:lumMod val="45000"/>
+                  <a:lumOff val="55000"/>
+                </a:schemeClr>
+              </a:gs>
+              <a:gs pos="83000">
+                <a:schemeClr val="accent1">
+                  <a:lumMod val="45000"/>
+                  <a:lumOff val="55000"/>
+                </a:schemeClr>
+              </a:gs>
+              <a:gs pos="100000">
+                <a:schemeClr val="accent1">
+                  <a:lumMod val="30000"/>
+                  <a:lumOff val="70000"/>
+                </a:schemeClr>
+              </a:gs>
+            </a:gsLst>
+            <a:lin ang="5400000" scaled="1"/>
+          </a:gradFill>
+          <a:ln w="25400">
+            <a:solidFill>
+              <a:schemeClr val="accent1"/>
+            </a:solidFill>
+          </a:ln>
+        </p:spPr>
+        <p:txBody>
+          <a:bodyPr vert="horz" wrap="none" lIns="91440" tIns="45720" rIns="91440" bIns="45720" rtlCol="0" anchor="t">
+            <a:spAutoFit/>
+          </a:bodyPr>
+          <a:lstStyle/>
+          <a:p>
+            <a:pPr algn="l"/>
+            <a:r>
+              <a:rPr lang="en-US" sz="2000" dirty="0">
+                <a:solidFill>
+                  <a:schemeClr val="bg2">
+                    <a:lumMod val="25000"/>
+                  </a:schemeClr>
+                </a:solidFill>
+                <a:sym typeface="Wingdings" panose="05000000000000000000" pitchFamily="2" charset="2"/>
+              </a:rPr>
+              <a:t>3.1 editable</a:t>
+            </a:r>
+            <a:endParaRPr lang="en-US" sz="2000" dirty="0">
+              <a:solidFill>
+                <a:schemeClr val="bg2">
+                  <a:lumMod val="25000"/>
+                </a:schemeClr>
+              </a:solidFill>
+            </a:endParaRPr>
+          </a:p>
+        </p:txBody>
+      </p:sp>
+      <p:sp>
+        <p:nvSpPr>
+          <p:cNvPr id="5" name="Rectangle 4">
+            <a:extLst>
+              <a:ext uri="{FF2B5EF4-FFF2-40B4-BE49-F238E27FC236}">
+                <a16:creationId xmlns:a16="http://schemas.microsoft.com/office/drawing/2014/main" id="{FB0B5A26-3FD2-77BB-DFF6-AC774267102B}"/>
+              </a:ext>
+            </a:extLst>
+          </p:cNvPr>
+          <p:cNvSpPr/>
+          <p:nvPr/>
+        </p:nvSpPr>
+        <p:spPr>
+          <a:xfrm>
+            <a:off x="145062" y="633528"/>
+            <a:ext cx="207692" cy="6048000"/>
+          </a:xfrm>
+          <a:prstGeom prst="rect">
+            <a:avLst/>
+          </a:prstGeom>
+          <a:solidFill>
+            <a:schemeClr val="tx1"/>
+          </a:solidFill>
+          <a:ln w="25400"/>
+          <a:effectLst>
+            <a:outerShdw blurRad="50800" dist="63500" dir="2700000" algn="tl" rotWithShape="0">
+              <a:schemeClr val="bg1">
+                <a:alpha val="40000"/>
+              </a:schemeClr>
+            </a:outerShdw>
+          </a:effectLst>
+        </p:spPr>
+        <p:style>
+          <a:lnRef idx="2">
+            <a:schemeClr val="accent1">
+              <a:shade val="50000"/>
+            </a:schemeClr>
+          </a:lnRef>
+          <a:fillRef idx="1">
+            <a:schemeClr val="accent1"/>
+          </a:fillRef>
+          <a:effectRef idx="0">
+            <a:schemeClr val="accent1"/>
+          </a:effectRef>
+          <a:fontRef idx="minor">
+            <a:schemeClr val="lt1"/>
+          </a:fontRef>
+        </p:style>
+        <p:txBody>
+          <a:bodyPr rtlCol="0" anchor="ctr"/>
+          <a:lstStyle/>
+          <a:p>
+            <a:pPr marL="0" marR="0" lvl="0" indent="0" algn="ctr" defTabSz="914400" rtl="0" eaLnBrk="1" fontAlgn="auto" latinLnBrk="0" hangingPunct="1">
+              <a:lnSpc>
+                <a:spcPct val="100000"/>
+              </a:lnSpc>
+              <a:spcBef>
+                <a:spcPts val="0"/>
+              </a:spcBef>
+              <a:spcAft>
+                <a:spcPts val="0"/>
+              </a:spcAft>
+              <a:buClrTx/>
+              <a:buSzTx/>
+              <a:buFontTx/>
+              <a:buNone/>
+              <a:tabLst/>
+              <a:defRPr/>
+            </a:pPr>
+            <a:endParaRPr kumimoji="0" lang="pt-PT" sz="1800" b="0" i="0" u="none" strike="noStrike" kern="1200" cap="none" spc="0" normalizeH="0" baseline="0" noProof="0">
+              <a:ln>
+                <a:noFill/>
+              </a:ln>
+              <a:solidFill>
+                <a:prstClr val="white"/>
+              </a:solidFill>
+              <a:effectLst/>
+              <a:uLnTx/>
+              <a:uFillTx/>
+              <a:latin typeface="Calibri" panose="020F0502020204030204"/>
+              <a:ea typeface="+mn-ea"/>
+              <a:cs typeface="+mn-cs"/>
+            </a:endParaRPr>
+          </a:p>
+        </p:txBody>
+      </p:sp>
+      <p:sp>
+        <p:nvSpPr>
+          <p:cNvPr id="8" name="Arrow: Right 5">
+            <a:extLst>
+              <a:ext uri="{FF2B5EF4-FFF2-40B4-BE49-F238E27FC236}">
+                <a16:creationId xmlns:a16="http://schemas.microsoft.com/office/drawing/2014/main" id="{01B098D1-95BC-824E-386C-79DF2B497471}"/>
+              </a:ext>
+            </a:extLst>
+          </p:cNvPr>
+          <p:cNvSpPr/>
+          <p:nvPr/>
+        </p:nvSpPr>
+        <p:spPr>
+          <a:xfrm>
+            <a:off x="278694" y="740052"/>
+            <a:ext cx="739111" cy="276999"/>
+          </a:xfrm>
+          <a:custGeom>
+            <a:avLst/>
+            <a:gdLst>
+              <a:gd name="connsiteX0" fmla="*/ 0 w 1727200"/>
+              <a:gd name="connsiteY0" fmla="*/ 119380 h 477520"/>
+              <a:gd name="connsiteX1" fmla="*/ 1488440 w 1727200"/>
+              <a:gd name="connsiteY1" fmla="*/ 119380 h 477520"/>
+              <a:gd name="connsiteX2" fmla="*/ 1488440 w 1727200"/>
+              <a:gd name="connsiteY2" fmla="*/ 0 h 477520"/>
+              <a:gd name="connsiteX3" fmla="*/ 1727200 w 1727200"/>
+              <a:gd name="connsiteY3" fmla="*/ 238760 h 477520"/>
+              <a:gd name="connsiteX4" fmla="*/ 1488440 w 1727200"/>
+              <a:gd name="connsiteY4" fmla="*/ 477520 h 477520"/>
+              <a:gd name="connsiteX5" fmla="*/ 1488440 w 1727200"/>
+              <a:gd name="connsiteY5" fmla="*/ 358140 h 477520"/>
+              <a:gd name="connsiteX6" fmla="*/ 0 w 1727200"/>
+              <a:gd name="connsiteY6" fmla="*/ 358140 h 477520"/>
+              <a:gd name="connsiteX7" fmla="*/ 0 w 1727200"/>
+              <a:gd name="connsiteY7" fmla="*/ 119380 h 477520"/>
+              <a:gd name="connsiteX0" fmla="*/ 0 w 1727200"/>
+              <a:gd name="connsiteY0" fmla="*/ 11803 h 369943"/>
+              <a:gd name="connsiteX1" fmla="*/ 1488440 w 1727200"/>
+              <a:gd name="connsiteY1" fmla="*/ 11803 h 369943"/>
+              <a:gd name="connsiteX2" fmla="*/ 1488440 w 1727200"/>
+              <a:gd name="connsiteY2" fmla="*/ 0 h 369943"/>
+              <a:gd name="connsiteX3" fmla="*/ 1727200 w 1727200"/>
+              <a:gd name="connsiteY3" fmla="*/ 131183 h 369943"/>
+              <a:gd name="connsiteX4" fmla="*/ 1488440 w 1727200"/>
+              <a:gd name="connsiteY4" fmla="*/ 369943 h 369943"/>
+              <a:gd name="connsiteX5" fmla="*/ 1488440 w 1727200"/>
+              <a:gd name="connsiteY5" fmla="*/ 250563 h 369943"/>
+              <a:gd name="connsiteX6" fmla="*/ 0 w 1727200"/>
+              <a:gd name="connsiteY6" fmla="*/ 250563 h 369943"/>
+              <a:gd name="connsiteX7" fmla="*/ 0 w 1727200"/>
+              <a:gd name="connsiteY7" fmla="*/ 11803 h 369943"/>
+              <a:gd name="connsiteX0" fmla="*/ 0 w 1727200"/>
+              <a:gd name="connsiteY0" fmla="*/ 0 h 358140"/>
+              <a:gd name="connsiteX1" fmla="*/ 1488440 w 1727200"/>
+              <a:gd name="connsiteY1" fmla="*/ 0 h 358140"/>
+              <a:gd name="connsiteX2" fmla="*/ 1497538 w 1727200"/>
+              <a:gd name="connsiteY2" fmla="*/ 6394 h 358140"/>
+              <a:gd name="connsiteX3" fmla="*/ 1727200 w 1727200"/>
+              <a:gd name="connsiteY3" fmla="*/ 119380 h 358140"/>
+              <a:gd name="connsiteX4" fmla="*/ 1488440 w 1727200"/>
+              <a:gd name="connsiteY4" fmla="*/ 358140 h 358140"/>
+              <a:gd name="connsiteX5" fmla="*/ 1488440 w 1727200"/>
+              <a:gd name="connsiteY5" fmla="*/ 238760 h 358140"/>
+              <a:gd name="connsiteX6" fmla="*/ 0 w 1727200"/>
+              <a:gd name="connsiteY6" fmla="*/ 238760 h 358140"/>
+              <a:gd name="connsiteX7" fmla="*/ 0 w 1727200"/>
+              <a:gd name="connsiteY7" fmla="*/ 0 h 358140"/>
+              <a:gd name="connsiteX0" fmla="*/ 0 w 1727200"/>
+              <a:gd name="connsiteY0" fmla="*/ 0 h 239859"/>
+              <a:gd name="connsiteX1" fmla="*/ 1488440 w 1727200"/>
+              <a:gd name="connsiteY1" fmla="*/ 0 h 239859"/>
+              <a:gd name="connsiteX2" fmla="*/ 1497538 w 1727200"/>
+              <a:gd name="connsiteY2" fmla="*/ 6394 h 239859"/>
+              <a:gd name="connsiteX3" fmla="*/ 1727200 w 1727200"/>
+              <a:gd name="connsiteY3" fmla="*/ 119380 h 239859"/>
+              <a:gd name="connsiteX4" fmla="*/ 1492989 w 1727200"/>
+              <a:gd name="connsiteY4" fmla="*/ 239859 h 239859"/>
+              <a:gd name="connsiteX5" fmla="*/ 1488440 w 1727200"/>
+              <a:gd name="connsiteY5" fmla="*/ 238760 h 239859"/>
+              <a:gd name="connsiteX6" fmla="*/ 0 w 1727200"/>
+              <a:gd name="connsiteY6" fmla="*/ 238760 h 239859"/>
+              <a:gd name="connsiteX7" fmla="*/ 0 w 1727200"/>
+              <a:gd name="connsiteY7" fmla="*/ 0 h 239859"/>
+            </a:gdLst>
+            <a:ahLst/>
+            <a:cxnLst>
+              <a:cxn ang="0">
+                <a:pos x="connsiteX0" y="connsiteY0"/>
+              </a:cxn>
+              <a:cxn ang="0">
+                <a:pos x="connsiteX1" y="connsiteY1"/>
+              </a:cxn>
+              <a:cxn ang="0">
+                <a:pos x="connsiteX2" y="connsiteY2"/>
+              </a:cxn>
+              <a:cxn ang="0">
+                <a:pos x="connsiteX3" y="connsiteY3"/>
+              </a:cxn>
+              <a:cxn ang="0">
+                <a:pos x="connsiteX4" y="connsiteY4"/>
+              </a:cxn>
+              <a:cxn ang="0">
+                <a:pos x="connsiteX5" y="connsiteY5"/>
+              </a:cxn>
+              <a:cxn ang="0">
+                <a:pos x="connsiteX6" y="connsiteY6"/>
+              </a:cxn>
+              <a:cxn ang="0">
+                <a:pos x="connsiteX7" y="connsiteY7"/>
+              </a:cxn>
+            </a:cxnLst>
+            <a:rect l="l" t="t" r="r" b="b"/>
+            <a:pathLst>
+              <a:path w="1727200" h="239859">
+                <a:moveTo>
+                  <a:pt x="0" y="0"/>
+                </a:moveTo>
+                <a:lnTo>
+                  <a:pt x="1488440" y="0"/>
+                </a:lnTo>
+                <a:lnTo>
+                  <a:pt x="1497538" y="6394"/>
+                </a:lnTo>
+                <a:lnTo>
+                  <a:pt x="1727200" y="119380"/>
+                </a:lnTo>
+                <a:lnTo>
+                  <a:pt x="1492989" y="239859"/>
+                </a:lnTo>
+                <a:lnTo>
+                  <a:pt x="1488440" y="238760"/>
+                </a:lnTo>
+                <a:lnTo>
+                  <a:pt x="0" y="238760"/>
+                </a:lnTo>
+                <a:lnTo>
+                  <a:pt x="0" y="0"/>
+                </a:lnTo>
+                <a:close/>
+              </a:path>
+            </a:pathLst>
+          </a:custGeom>
+          <a:solidFill>
+            <a:sysClr val="windowText" lastClr="000000"/>
+          </a:solidFill>
+          <a:ln w="25400" cap="flat" cmpd="sng" algn="ctr">
+            <a:solidFill>
+              <a:srgbClr val="FFC000">
+                <a:lumMod val="60000"/>
+                <a:lumOff val="40000"/>
+              </a:srgbClr>
+            </a:solidFill>
+            <a:prstDash val="solid"/>
+            <a:miter lim="800000"/>
+          </a:ln>
+          <a:effectLst>
+            <a:outerShdw blurRad="50800" dist="63500" dir="2700000" algn="tl" rotWithShape="0">
+              <a:sysClr val="window" lastClr="FFFFFF">
+                <a:alpha val="40000"/>
+              </a:sysClr>
+            </a:outerShdw>
+          </a:effectLst>
+        </p:spPr>
+        <p:txBody>
+          <a:bodyPr wrap="none" lIns="90000" tIns="0" rIns="180000" bIns="0" rtlCol="0" anchor="ctr">
+            <a:spAutoFit/>
+          </a:bodyPr>
+          <a:lstStyle/>
+          <a:p>
+            <a:pPr marL="0" marR="0" lvl="0" indent="0" defTabSz="914369" eaLnBrk="1" fontAlgn="auto" latinLnBrk="0" hangingPunct="1">
+              <a:lnSpc>
+                <a:spcPct val="100000"/>
+              </a:lnSpc>
+              <a:spcBef>
+                <a:spcPts val="0"/>
+              </a:spcBef>
+              <a:spcAft>
+                <a:spcPts val="0"/>
+              </a:spcAft>
+              <a:buClrTx/>
+              <a:buSzTx/>
+              <a:buFontTx/>
+              <a:buNone/>
+              <a:tabLst/>
+              <a:defRPr/>
+            </a:pPr>
+            <a:r>
+              <a:rPr kumimoji="0" lang="en-US" sz="1800" b="0" i="0" u="none" strike="noStrike" kern="0" cap="none" spc="0" normalizeH="0" baseline="0" noProof="0" dirty="0">
+                <a:ln>
+                  <a:noFill/>
+                </a:ln>
+                <a:solidFill>
+                  <a:prstClr val="white"/>
+                </a:solidFill>
+                <a:effectLst/>
+                <a:uLnTx/>
+                <a:uFillTx/>
+                <a:latin typeface="Calibri Light" panose="020F0302020204030204"/>
+              </a:rPr>
+              <a:t>what</a:t>
+            </a:r>
+          </a:p>
+        </p:txBody>
+      </p:sp>
+      <p:grpSp>
+        <p:nvGrpSpPr>
+          <p:cNvPr id="20" name="Group 19">
+            <a:extLst>
+              <a:ext uri="{FF2B5EF4-FFF2-40B4-BE49-F238E27FC236}">
+                <a16:creationId xmlns:a16="http://schemas.microsoft.com/office/drawing/2014/main" id="{03121BC6-ECE9-4C37-C23F-B2C8C55D304F}"/>
+              </a:ext>
+            </a:extLst>
+          </p:cNvPr>
+          <p:cNvGrpSpPr/>
+          <p:nvPr/>
+        </p:nvGrpSpPr>
+        <p:grpSpPr>
+          <a:xfrm>
+            <a:off x="1630595" y="1112170"/>
+            <a:ext cx="819260" cy="246221"/>
+            <a:chOff x="5881666" y="1565584"/>
+            <a:chExt cx="819260" cy="246221"/>
+          </a:xfrm>
+        </p:grpSpPr>
+        <p:sp>
+          <p:nvSpPr>
+            <p:cNvPr id="21" name="Retângulo 5">
+              <a:extLst>
+                <a:ext uri="{FF2B5EF4-FFF2-40B4-BE49-F238E27FC236}">
+                  <a16:creationId xmlns:a16="http://schemas.microsoft.com/office/drawing/2014/main" id="{03DD80CF-922F-76B8-083C-151D25B407D2}"/>
+                </a:ext>
+              </a:extLst>
+            </p:cNvPr>
+            <p:cNvSpPr/>
+            <p:nvPr/>
+          </p:nvSpPr>
+          <p:spPr>
+            <a:xfrm>
+              <a:off x="6016123" y="1565584"/>
+              <a:ext cx="684803" cy="246221"/>
+            </a:xfrm>
+            <a:prstGeom prst="rect">
+              <a:avLst/>
+            </a:prstGeom>
+          </p:spPr>
+          <p:txBody>
+            <a:bodyPr wrap="none">
+              <a:spAutoFit/>
+            </a:bodyPr>
+            <a:lstStyle/>
+            <a:p>
+              <a:pPr marL="0" marR="0" lvl="0" indent="0" defTabSz="914369" eaLnBrk="1" fontAlgn="auto" latinLnBrk="0" hangingPunct="1">
+                <a:lnSpc>
+                  <a:spcPct val="100000"/>
+                </a:lnSpc>
+                <a:spcBef>
+                  <a:spcPts val="0"/>
+                </a:spcBef>
+                <a:spcAft>
+                  <a:spcPts val="0"/>
+                </a:spcAft>
+                <a:buClrTx/>
+                <a:buSzTx/>
+                <a:buFontTx/>
+                <a:buNone/>
+                <a:tabLst/>
+                <a:defRPr/>
+              </a:pPr>
+              <a:r>
+                <a:rPr kumimoji="0" lang="en-US" sz="1000" b="0" i="0" u="none" strike="noStrike" kern="0" cap="none" spc="0" normalizeH="0" baseline="0" noProof="0" dirty="0">
+                  <a:ln>
+                    <a:noFill/>
+                  </a:ln>
+                  <a:solidFill>
+                    <a:prstClr val="black"/>
+                  </a:solidFill>
+                  <a:effectLst/>
+                  <a:uLnTx/>
+                  <a:uFillTx/>
+                  <a:hlinkClick r:id="rId2"/>
+                </a:rPr>
+                <a:t>pip install</a:t>
+              </a:r>
+              <a:endParaRPr kumimoji="0" lang="en-US" sz="1000" b="0" i="0" u="none" strike="noStrike" kern="0" cap="none" spc="0" normalizeH="0" baseline="0" noProof="0" dirty="0">
+                <a:ln>
+                  <a:noFill/>
+                </a:ln>
+                <a:solidFill>
+                  <a:prstClr val="black"/>
+                </a:solidFill>
+                <a:effectLst/>
+                <a:uLnTx/>
+                <a:uFillTx/>
+              </a:endParaRPr>
+            </a:p>
+          </p:txBody>
+        </p:sp>
+        <p:pic>
+          <p:nvPicPr>
+            <p:cNvPr id="22" name="Picture 21" descr="Icon&#10;&#10;Description automatically generated">
+              <a:extLst>
+                <a:ext uri="{FF2B5EF4-FFF2-40B4-BE49-F238E27FC236}">
+                  <a16:creationId xmlns:a16="http://schemas.microsoft.com/office/drawing/2014/main" id="{A4D0B688-C716-D5D9-5573-3F666E5C01F7}"/>
+                </a:ext>
+              </a:extLst>
+            </p:cNvPr>
+            <p:cNvPicPr>
+              <a:picLocks noChangeAspect="1"/>
+            </p:cNvPicPr>
+            <p:nvPr/>
+          </p:nvPicPr>
+          <p:blipFill>
+            <a:blip r:embed="rId3" cstate="print">
+              <a:extLst>
+                <a:ext uri="{28A0092B-C50C-407E-A947-70E740481C1C}">
+                  <a14:useLocalDpi xmlns:a14="http://schemas.microsoft.com/office/drawing/2010/main" val="0"/>
+                </a:ext>
+              </a:extLst>
+            </a:blip>
+            <a:stretch>
+              <a:fillRect/>
+            </a:stretch>
+          </p:blipFill>
+          <p:spPr>
+            <a:xfrm>
+              <a:off x="5881666" y="1590687"/>
+              <a:ext cx="180000" cy="180000"/>
+            </a:xfrm>
+            <a:prstGeom prst="rect">
+              <a:avLst/>
+            </a:prstGeom>
+          </p:spPr>
+        </p:pic>
+      </p:grpSp>
+      <p:sp>
+        <p:nvSpPr>
+          <p:cNvPr id="9" name="Speech Bubble: Rectangle 8">
+            <a:extLst>
+              <a:ext uri="{FF2B5EF4-FFF2-40B4-BE49-F238E27FC236}">
+                <a16:creationId xmlns:a16="http://schemas.microsoft.com/office/drawing/2014/main" id="{5D83997B-4141-4BE6-9652-F0B515EB85DC}"/>
+              </a:ext>
+            </a:extLst>
+          </p:cNvPr>
+          <p:cNvSpPr/>
+          <p:nvPr/>
+        </p:nvSpPr>
+        <p:spPr>
+          <a:xfrm>
+            <a:off x="1017805" y="759682"/>
+            <a:ext cx="1432050" cy="257369"/>
+          </a:xfrm>
+          <a:prstGeom prst="wedgeRectCallout">
+            <a:avLst>
+              <a:gd name="adj1" fmla="val -51140"/>
+              <a:gd name="adj2" fmla="val -17579"/>
+            </a:avLst>
+          </a:prstGeom>
+          <a:solidFill>
+            <a:sysClr val="windowText" lastClr="000000"/>
+          </a:solidFill>
+          <a:ln>
+            <a:solidFill>
+              <a:srgbClr val="5B9BD5"/>
+            </a:solidFill>
+          </a:ln>
+          <a:effectLst>
+            <a:outerShdw blurRad="50800" dist="63500" dir="2700000" algn="tl" rotWithShape="0">
+              <a:sysClr val="window" lastClr="FFFFFF">
+                <a:alpha val="40000"/>
+              </a:sysClr>
+            </a:outerShdw>
+          </a:effectLst>
+        </p:spPr>
+        <p:txBody>
+          <a:bodyPr wrap="none" lIns="36000" tIns="36000" rIns="36000" bIns="36000" rtlCol="0">
+            <a:spAutoFit/>
+          </a:bodyPr>
+          <a:lstStyle/>
+          <a:p>
+            <a:pPr lvl="0" defTabSz="914369">
+              <a:defRPr/>
+            </a:pPr>
+            <a:r>
+              <a:rPr lang="en-US" sz="1200" kern="0">
+                <a:solidFill>
+                  <a:prstClr val="white"/>
+                </a:solidFill>
+                <a:latin typeface="Consolas" panose="020B0609020204030204" pitchFamily="49" charset="0"/>
+              </a:rPr>
+              <a:t>pip install -e .</a:t>
+            </a:r>
+          </a:p>
+        </p:txBody>
+      </p:sp>
+      <p:sp>
+        <p:nvSpPr>
+          <p:cNvPr id="4" name="Speech Bubble: Rectangle 3">
+            <a:extLst>
+              <a:ext uri="{FF2B5EF4-FFF2-40B4-BE49-F238E27FC236}">
+                <a16:creationId xmlns:a16="http://schemas.microsoft.com/office/drawing/2014/main" id="{76AFD126-E856-47A3-8C3F-9AE7ADDD1580}"/>
+              </a:ext>
+            </a:extLst>
+          </p:cNvPr>
+          <p:cNvSpPr/>
+          <p:nvPr/>
+        </p:nvSpPr>
+        <p:spPr>
+          <a:xfrm>
+            <a:off x="2680852" y="490106"/>
+            <a:ext cx="2111723" cy="1919363"/>
+          </a:xfrm>
+          <a:prstGeom prst="wedgeRectCallout">
+            <a:avLst>
+              <a:gd name="adj1" fmla="val -57355"/>
+              <a:gd name="adj2" fmla="val -31663"/>
+            </a:avLst>
+          </a:prstGeom>
+          <a:solidFill>
+            <a:sysClr val="windowText" lastClr="000000"/>
+          </a:solidFill>
+          <a:ln>
+            <a:solidFill>
+              <a:srgbClr val="5B9BD5"/>
+            </a:solidFill>
+          </a:ln>
+          <a:effectLst>
+            <a:outerShdw blurRad="50800" dist="63500" dir="2700000" algn="tl" rotWithShape="0">
+              <a:sysClr val="window" lastClr="FFFFFF">
+                <a:alpha val="40000"/>
+              </a:sysClr>
+            </a:outerShdw>
+          </a:effectLst>
+        </p:spPr>
+        <p:txBody>
+          <a:bodyPr wrap="none" lIns="36000" tIns="36000" rIns="36000" bIns="36000" rtlCol="0">
+            <a:spAutoFit/>
+          </a:bodyPr>
+          <a:lstStyle/>
+          <a:p>
+            <a:pPr marL="171434" indent="-171450" defTabSz="914369">
+              <a:buFont typeface="Arial" panose="020B0604020202020204" pitchFamily="34" charset="0"/>
+              <a:buChar char="•"/>
+              <a:defRPr/>
+            </a:pPr>
+            <a:r>
+              <a:rPr kumimoji="0" lang="en-US" sz="1200" b="0" i="0" u="none" strike="noStrike" kern="0" cap="none" spc="0" normalizeH="0" baseline="0" noProof="0" dirty="0">
+                <a:ln>
+                  <a:noFill/>
+                </a:ln>
+                <a:solidFill>
+                  <a:prstClr val="white"/>
+                </a:solidFill>
+                <a:effectLst/>
+                <a:uLnTx/>
+                <a:uFillTx/>
+                <a:latin typeface="Calibri Light" panose="020F0302020204030204"/>
+              </a:rPr>
+              <a:t>The command `pip install -e .` </a:t>
+            </a:r>
+          </a:p>
+          <a:p>
+            <a:pPr marL="628634" lvl="1" indent="-171450" defTabSz="914369">
+              <a:buFont typeface="Arial" panose="020B0604020202020204" pitchFamily="34" charset="0"/>
+              <a:buChar char="•"/>
+              <a:defRPr/>
+            </a:pPr>
+            <a:r>
+              <a:rPr kumimoji="0" lang="en-US" sz="1200" b="0" i="0" u="none" strike="noStrike" kern="0" cap="none" spc="0" normalizeH="0" baseline="0" noProof="0" dirty="0">
+                <a:ln>
+                  <a:noFill/>
+                </a:ln>
+                <a:solidFill>
+                  <a:prstClr val="white"/>
+                </a:solidFill>
+                <a:effectLst/>
+                <a:uLnTx/>
+                <a:uFillTx/>
+                <a:latin typeface="Calibri Light" panose="020F0302020204030204"/>
+              </a:rPr>
+              <a:t>is used </a:t>
+            </a:r>
+          </a:p>
+          <a:p>
+            <a:pPr marL="171434" indent="-171450" defTabSz="914369">
+              <a:buFont typeface="Arial" panose="020B0604020202020204" pitchFamily="34" charset="0"/>
+              <a:buChar char="•"/>
+              <a:defRPr/>
+            </a:pPr>
+            <a:r>
+              <a:rPr kumimoji="0" lang="en-US" sz="1200" b="0" i="0" u="none" strike="noStrike" kern="0" cap="none" spc="0" normalizeH="0" baseline="0" noProof="0" dirty="0">
+                <a:ln>
+                  <a:noFill/>
+                </a:ln>
+                <a:solidFill>
+                  <a:prstClr val="white"/>
+                </a:solidFill>
+                <a:effectLst/>
+                <a:uLnTx/>
+                <a:uFillTx/>
+                <a:latin typeface="Calibri Light" panose="020F0302020204030204"/>
+              </a:rPr>
+              <a:t>to install a package </a:t>
+            </a:r>
+          </a:p>
+          <a:p>
+            <a:pPr marL="628634" lvl="1" indent="-171450" defTabSz="914369">
+              <a:buFont typeface="Arial" panose="020B0604020202020204" pitchFamily="34" charset="0"/>
+              <a:buChar char="•"/>
+              <a:defRPr/>
+            </a:pPr>
+            <a:r>
+              <a:rPr kumimoji="0" lang="en-US" sz="1200" b="0" i="0" u="none" strike="noStrike" kern="0" cap="none" spc="0" normalizeH="0" baseline="0" noProof="0" dirty="0">
+                <a:ln>
+                  <a:noFill/>
+                </a:ln>
+                <a:solidFill>
+                  <a:prstClr val="white"/>
+                </a:solidFill>
+                <a:effectLst/>
+                <a:uLnTx/>
+                <a:uFillTx/>
+                <a:latin typeface="Calibri Light" panose="020F0302020204030204"/>
+              </a:rPr>
+              <a:t>in </a:t>
+            </a:r>
+          </a:p>
+          <a:p>
+            <a:pPr marL="1085834" lvl="2" indent="-171450" defTabSz="914369">
+              <a:buFont typeface="Arial" panose="020B0604020202020204" pitchFamily="34" charset="0"/>
+              <a:buChar char="•"/>
+              <a:defRPr/>
+            </a:pPr>
+            <a:r>
+              <a:rPr kumimoji="0" lang="en-US" sz="1200" b="0" i="0" u="none" strike="noStrike" kern="0" cap="none" spc="0" normalizeH="0" baseline="0" noProof="0" dirty="0">
+                <a:ln>
+                  <a:noFill/>
+                </a:ln>
+                <a:solidFill>
+                  <a:prstClr val="white"/>
+                </a:solidFill>
+                <a:effectLst/>
+                <a:uLnTx/>
+                <a:uFillTx/>
+                <a:latin typeface="Calibri Light" panose="020F0302020204030204"/>
+              </a:rPr>
+              <a:t>editable </a:t>
+            </a:r>
+          </a:p>
+          <a:p>
+            <a:pPr marL="1543034" lvl="3" indent="-171450" defTabSz="914369">
+              <a:buFont typeface="Arial" panose="020B0604020202020204" pitchFamily="34" charset="0"/>
+              <a:buChar char="•"/>
+              <a:defRPr/>
+            </a:pPr>
+            <a:r>
+              <a:rPr kumimoji="0" lang="en-US" sz="1200" b="0" i="0" u="none" strike="noStrike" kern="0" cap="none" spc="0" normalizeH="0" baseline="0" noProof="0" dirty="0">
+                <a:ln>
+                  <a:noFill/>
+                </a:ln>
+                <a:solidFill>
+                  <a:prstClr val="white"/>
+                </a:solidFill>
+                <a:effectLst/>
+                <a:uLnTx/>
+                <a:uFillTx/>
+                <a:latin typeface="Calibri Light" panose="020F0302020204030204"/>
+              </a:rPr>
+              <a:t>or </a:t>
+            </a:r>
+          </a:p>
+          <a:p>
+            <a:pPr marL="1085834" lvl="2" indent="-171450" defTabSz="914369">
+              <a:buFont typeface="Arial" panose="020B0604020202020204" pitchFamily="34" charset="0"/>
+              <a:buChar char="•"/>
+              <a:defRPr/>
+            </a:pPr>
+            <a:r>
+              <a:rPr kumimoji="0" lang="en-US" sz="1200" b="0" i="0" u="none" strike="noStrike" kern="0" cap="none" spc="0" normalizeH="0" baseline="0" noProof="0" dirty="0">
+                <a:ln>
+                  <a:noFill/>
+                </a:ln>
+                <a:solidFill>
+                  <a:prstClr val="white"/>
+                </a:solidFill>
+                <a:effectLst/>
+                <a:uLnTx/>
+                <a:uFillTx/>
+                <a:latin typeface="Calibri Light" panose="020F0302020204030204"/>
+              </a:rPr>
+              <a:t>"develop" </a:t>
+            </a:r>
+          </a:p>
+          <a:p>
+            <a:pPr marL="628634" lvl="1" indent="-171450" defTabSz="914369">
+              <a:buFont typeface="Arial" panose="020B0604020202020204" pitchFamily="34" charset="0"/>
+              <a:buChar char="•"/>
+              <a:defRPr/>
+            </a:pPr>
+            <a:r>
+              <a:rPr kumimoji="0" lang="en-US" sz="1200" b="0" i="0" u="none" strike="noStrike" kern="0" cap="none" spc="0" normalizeH="0" baseline="0" noProof="0" dirty="0">
+                <a:ln>
+                  <a:noFill/>
+                </a:ln>
+                <a:solidFill>
+                  <a:prstClr val="white"/>
+                </a:solidFill>
+                <a:effectLst/>
+                <a:uLnTx/>
+                <a:uFillTx/>
+                <a:latin typeface="Calibri Light" panose="020F0302020204030204"/>
+              </a:rPr>
+              <a:t>mode </a:t>
+            </a:r>
+          </a:p>
+          <a:p>
+            <a:pPr marL="171434" indent="-171450" defTabSz="914369">
+              <a:buFont typeface="Arial" panose="020B0604020202020204" pitchFamily="34" charset="0"/>
+              <a:buChar char="•"/>
+              <a:defRPr/>
+            </a:pPr>
+            <a:r>
+              <a:rPr kumimoji="0" lang="en-US" sz="1200" b="0" i="0" u="none" strike="noStrike" kern="0" cap="none" spc="0" normalizeH="0" baseline="0" noProof="0" dirty="0">
+                <a:ln>
+                  <a:noFill/>
+                </a:ln>
+                <a:solidFill>
+                  <a:prstClr val="white"/>
+                </a:solidFill>
+                <a:effectLst/>
+                <a:uLnTx/>
+                <a:uFillTx/>
+                <a:latin typeface="Calibri Light" panose="020F0302020204030204"/>
+              </a:rPr>
+              <a:t>from the </a:t>
+            </a:r>
+          </a:p>
+          <a:p>
+            <a:pPr marL="628634" lvl="1" indent="-171450" defTabSz="914369">
+              <a:buFont typeface="Arial" panose="020B0604020202020204" pitchFamily="34" charset="0"/>
+              <a:buChar char="•"/>
+              <a:defRPr/>
+            </a:pPr>
+            <a:r>
+              <a:rPr kumimoji="0" lang="en-US" sz="1200" b="0" i="0" u="none" strike="noStrike" kern="0" cap="none" spc="0" normalizeH="0" baseline="0" noProof="0" dirty="0">
+                <a:ln>
+                  <a:noFill/>
+                </a:ln>
+                <a:solidFill>
+                  <a:prstClr val="white"/>
+                </a:solidFill>
+                <a:effectLst/>
+                <a:uLnTx/>
+                <a:uFillTx/>
+                <a:latin typeface="Calibri Light" panose="020F0302020204030204"/>
+              </a:rPr>
+              <a:t>current directory (`.`).</a:t>
+            </a:r>
+          </a:p>
+        </p:txBody>
+      </p:sp>
+      <p:sp>
+        <p:nvSpPr>
+          <p:cNvPr id="6" name="Speech Bubble: Rectangle 5">
+            <a:extLst>
+              <a:ext uri="{FF2B5EF4-FFF2-40B4-BE49-F238E27FC236}">
+                <a16:creationId xmlns:a16="http://schemas.microsoft.com/office/drawing/2014/main" id="{5A39A1C2-9584-AD50-4A50-27311383A594}"/>
+              </a:ext>
+            </a:extLst>
+          </p:cNvPr>
+          <p:cNvSpPr/>
+          <p:nvPr/>
+        </p:nvSpPr>
+        <p:spPr>
+          <a:xfrm>
+            <a:off x="4930505" y="490106"/>
+            <a:ext cx="2563770" cy="1365365"/>
+          </a:xfrm>
+          <a:prstGeom prst="wedgeRectCallout">
+            <a:avLst>
+              <a:gd name="adj1" fmla="val -56466"/>
+              <a:gd name="adj2" fmla="val -25528"/>
+            </a:avLst>
+          </a:prstGeom>
+          <a:solidFill>
+            <a:sysClr val="windowText" lastClr="000000"/>
+          </a:solidFill>
+          <a:ln>
+            <a:solidFill>
+              <a:srgbClr val="5B9BD5"/>
+            </a:solidFill>
+          </a:ln>
+          <a:effectLst>
+            <a:outerShdw blurRad="50800" dist="63500" dir="2700000" algn="tl" rotWithShape="0">
+              <a:sysClr val="window" lastClr="FFFFFF">
+                <a:alpha val="40000"/>
+              </a:sysClr>
+            </a:outerShdw>
+          </a:effectLst>
+        </p:spPr>
+        <p:txBody>
+          <a:bodyPr wrap="none" lIns="36000" tIns="36000" rIns="36000" bIns="36000" rtlCol="0">
+            <a:spAutoFit/>
+          </a:bodyPr>
+          <a:lstStyle/>
+          <a:p>
+            <a:pPr marL="228576" indent="-228592" defTabSz="914369">
+              <a:buFont typeface="Arial" panose="020B0604020202020204" pitchFamily="34" charset="0"/>
+              <a:buChar char="•"/>
+              <a:defRPr/>
+            </a:pPr>
+            <a:r>
+              <a:rPr lang="en-US" sz="1200" kern="0" dirty="0">
+                <a:solidFill>
+                  <a:prstClr val="white"/>
+                </a:solidFill>
+                <a:latin typeface="Calibri Light" panose="020F0302020204030204"/>
+              </a:rPr>
+              <a:t>in editable mode, </a:t>
+            </a:r>
+          </a:p>
+          <a:p>
+            <a:pPr marL="685776" lvl="1" indent="-228592" defTabSz="914369">
+              <a:buFont typeface="Arial" panose="020B0604020202020204" pitchFamily="34" charset="0"/>
+              <a:buChar char="•"/>
+              <a:defRPr/>
+            </a:pPr>
+            <a:r>
+              <a:rPr lang="en-US" sz="1200" kern="0" dirty="0">
+                <a:solidFill>
+                  <a:prstClr val="white"/>
+                </a:solidFill>
+                <a:latin typeface="Calibri Light" panose="020F0302020204030204"/>
+              </a:rPr>
+              <a:t>changes to the </a:t>
+            </a:r>
+          </a:p>
+          <a:p>
+            <a:pPr marL="1142976" lvl="2" indent="-228592" defTabSz="914369">
+              <a:buFont typeface="Arial" panose="020B0604020202020204" pitchFamily="34" charset="0"/>
+              <a:buChar char="•"/>
+              <a:defRPr/>
+            </a:pPr>
+            <a:r>
+              <a:rPr lang="en-US" sz="1200" kern="0" dirty="0">
+                <a:solidFill>
+                  <a:prstClr val="white"/>
+                </a:solidFill>
+                <a:latin typeface="Calibri Light" panose="020F0302020204030204"/>
+              </a:rPr>
+              <a:t>source code </a:t>
+            </a:r>
+          </a:p>
+          <a:p>
+            <a:pPr marL="685776" lvl="1" indent="-228592" defTabSz="914369">
+              <a:buFont typeface="Arial" panose="020B0604020202020204" pitchFamily="34" charset="0"/>
+              <a:buChar char="•"/>
+              <a:defRPr/>
+            </a:pPr>
+            <a:r>
+              <a:rPr lang="en-US" sz="1200" kern="0" dirty="0">
+                <a:solidFill>
+                  <a:prstClr val="white"/>
+                </a:solidFill>
+                <a:latin typeface="Calibri Light" panose="020F0302020204030204"/>
+              </a:rPr>
+              <a:t>immediately affect </a:t>
+            </a:r>
+          </a:p>
+          <a:p>
+            <a:pPr marL="1142976" lvl="2" indent="-228592" defTabSz="914369">
+              <a:buFont typeface="Arial" panose="020B0604020202020204" pitchFamily="34" charset="0"/>
+              <a:buChar char="•"/>
+              <a:defRPr/>
+            </a:pPr>
+            <a:r>
+              <a:rPr lang="en-US" sz="1200" kern="0" dirty="0">
+                <a:solidFill>
+                  <a:prstClr val="white"/>
+                </a:solidFill>
+                <a:latin typeface="Calibri Light" panose="020F0302020204030204"/>
+              </a:rPr>
+              <a:t>the installed package </a:t>
+            </a:r>
+          </a:p>
+          <a:p>
+            <a:pPr marL="685776" lvl="1" indent="-228592" defTabSz="914369">
+              <a:buFont typeface="Arial" panose="020B0604020202020204" pitchFamily="34" charset="0"/>
+              <a:buChar char="•"/>
+              <a:defRPr/>
+            </a:pPr>
+            <a:r>
+              <a:rPr lang="en-US" sz="1200" kern="0" dirty="0">
+                <a:solidFill>
+                  <a:prstClr val="white"/>
+                </a:solidFill>
+                <a:latin typeface="Calibri Light" panose="020F0302020204030204"/>
+              </a:rPr>
+              <a:t>without needing </a:t>
+            </a:r>
+          </a:p>
+          <a:p>
+            <a:pPr marL="1142976" lvl="2" indent="-228592" defTabSz="914369">
+              <a:buFont typeface="Arial" panose="020B0604020202020204" pitchFamily="34" charset="0"/>
+              <a:buChar char="•"/>
+              <a:defRPr/>
+            </a:pPr>
+            <a:r>
+              <a:rPr lang="en-US" sz="1200" kern="0" dirty="0">
+                <a:solidFill>
+                  <a:prstClr val="white"/>
+                </a:solidFill>
+                <a:latin typeface="Calibri Light" panose="020F0302020204030204"/>
+              </a:rPr>
+              <a:t>to reinstall it</a:t>
+            </a:r>
+          </a:p>
+        </p:txBody>
+      </p:sp>
+      <p:sp>
+        <p:nvSpPr>
+          <p:cNvPr id="7" name="Speech Bubble: Rectangle 6">
+            <a:extLst>
+              <a:ext uri="{FF2B5EF4-FFF2-40B4-BE49-F238E27FC236}">
+                <a16:creationId xmlns:a16="http://schemas.microsoft.com/office/drawing/2014/main" id="{089C6265-E12E-ECF6-2A09-D59570888EB5}"/>
+              </a:ext>
+            </a:extLst>
+          </p:cNvPr>
+          <p:cNvSpPr/>
+          <p:nvPr/>
+        </p:nvSpPr>
+        <p:spPr>
+          <a:xfrm>
+            <a:off x="2680852" y="2482808"/>
+            <a:ext cx="1598762" cy="626701"/>
+          </a:xfrm>
+          <a:prstGeom prst="wedgeRectCallout">
+            <a:avLst>
+              <a:gd name="adj1" fmla="val -26970"/>
+              <a:gd name="adj2" fmla="val -61317"/>
+            </a:avLst>
+          </a:prstGeom>
+          <a:solidFill>
+            <a:sysClr val="windowText" lastClr="000000"/>
+          </a:solidFill>
+          <a:ln>
+            <a:solidFill>
+              <a:srgbClr val="5B9BD5"/>
+            </a:solidFill>
+          </a:ln>
+          <a:effectLst>
+            <a:outerShdw blurRad="50800" dist="63500" dir="2700000" algn="tl" rotWithShape="0">
+              <a:sysClr val="window" lastClr="FFFFFF">
+                <a:alpha val="40000"/>
+              </a:sysClr>
+            </a:outerShdw>
+          </a:effectLst>
+        </p:spPr>
+        <p:txBody>
+          <a:bodyPr wrap="none" lIns="36000" tIns="36000" rIns="36000" bIns="36000" rtlCol="0">
+            <a:spAutoFit/>
+          </a:bodyPr>
+          <a:lstStyle/>
+          <a:p>
+            <a:pPr marL="228576" indent="-228592" defTabSz="914369">
+              <a:buFont typeface="Arial" panose="020B0604020202020204" pitchFamily="34" charset="0"/>
+              <a:buChar char="•"/>
+              <a:defRPr/>
+            </a:pPr>
+            <a:r>
+              <a:rPr lang="en-US" sz="1200" kern="0" dirty="0">
+                <a:solidFill>
+                  <a:prstClr val="white"/>
+                </a:solidFill>
+                <a:latin typeface="Calibri Light" panose="020F0302020204030204"/>
+              </a:rPr>
+              <a:t>The `.` </a:t>
+            </a:r>
+          </a:p>
+          <a:p>
+            <a:pPr marL="685776" lvl="1" indent="-228592" defTabSz="914369">
+              <a:buFont typeface="Arial" panose="020B0604020202020204" pitchFamily="34" charset="0"/>
+              <a:buChar char="•"/>
+              <a:defRPr/>
+            </a:pPr>
+            <a:r>
+              <a:rPr lang="en-US" sz="1200" kern="0" dirty="0">
+                <a:solidFill>
+                  <a:prstClr val="white"/>
+                </a:solidFill>
+                <a:latin typeface="Calibri Light" panose="020F0302020204030204"/>
+              </a:rPr>
+              <a:t>refers to </a:t>
+            </a:r>
+          </a:p>
+          <a:p>
+            <a:pPr marL="228576" indent="-228592" defTabSz="914369">
+              <a:buFont typeface="Arial" panose="020B0604020202020204" pitchFamily="34" charset="0"/>
+              <a:buChar char="•"/>
+              <a:defRPr/>
+            </a:pPr>
+            <a:r>
+              <a:rPr lang="en-US" sz="1200" kern="0" dirty="0">
+                <a:solidFill>
+                  <a:prstClr val="white"/>
+                </a:solidFill>
+                <a:latin typeface="Calibri Light" panose="020F0302020204030204"/>
+              </a:rPr>
+              <a:t>the current directory</a:t>
+            </a:r>
+          </a:p>
+        </p:txBody>
+      </p:sp>
+      <p:sp>
+        <p:nvSpPr>
+          <p:cNvPr id="10" name="Speech Bubble: Rectangle 9">
+            <a:extLst>
+              <a:ext uri="{FF2B5EF4-FFF2-40B4-BE49-F238E27FC236}">
+                <a16:creationId xmlns:a16="http://schemas.microsoft.com/office/drawing/2014/main" id="{736AF391-8B08-CF27-8BD7-3AE16A924D40}"/>
+              </a:ext>
+            </a:extLst>
+          </p:cNvPr>
+          <p:cNvSpPr/>
+          <p:nvPr/>
+        </p:nvSpPr>
+        <p:spPr>
+          <a:xfrm>
+            <a:off x="4418062" y="2537442"/>
+            <a:ext cx="1794328" cy="1365365"/>
+          </a:xfrm>
+          <a:prstGeom prst="wedgeRectCallout">
+            <a:avLst>
+              <a:gd name="adj1" fmla="val -58265"/>
+              <a:gd name="adj2" fmla="val -20940"/>
+            </a:avLst>
+          </a:prstGeom>
+          <a:solidFill>
+            <a:sysClr val="windowText" lastClr="000000"/>
+          </a:solidFill>
+          <a:ln>
+            <a:solidFill>
+              <a:srgbClr val="5B9BD5"/>
+            </a:solidFill>
+          </a:ln>
+          <a:effectLst>
+            <a:outerShdw blurRad="50800" dist="63500" dir="2700000" algn="tl" rotWithShape="0">
+              <a:sysClr val="window" lastClr="FFFFFF">
+                <a:alpha val="40000"/>
+              </a:sysClr>
+            </a:outerShdw>
+          </a:effectLst>
+        </p:spPr>
+        <p:txBody>
+          <a:bodyPr wrap="none" lIns="36000" tIns="36000" rIns="36000" bIns="36000" rtlCol="0">
+            <a:spAutoFit/>
+          </a:bodyPr>
+          <a:lstStyle/>
+          <a:p>
+            <a:pPr marL="228576" indent="-228592" defTabSz="914369">
+              <a:buFont typeface="Arial" panose="020B0604020202020204" pitchFamily="34" charset="0"/>
+              <a:buChar char="•"/>
+              <a:defRPr/>
+            </a:pPr>
+            <a:r>
+              <a:rPr lang="en-US" sz="1200" kern="0" dirty="0">
+                <a:solidFill>
+                  <a:prstClr val="white"/>
+                </a:solidFill>
+                <a:latin typeface="Calibri Light" panose="020F0302020204030204"/>
+              </a:rPr>
+              <a:t> the setup script </a:t>
+            </a:r>
+          </a:p>
+          <a:p>
+            <a:pPr marL="685776" lvl="1" indent="-228592" defTabSz="914369">
+              <a:buFont typeface="Arial" panose="020B0604020202020204" pitchFamily="34" charset="0"/>
+              <a:buChar char="•"/>
+              <a:defRPr/>
+            </a:pPr>
+            <a:r>
+              <a:rPr lang="en-US" sz="1200" kern="0" dirty="0">
+                <a:solidFill>
+                  <a:prstClr val="white"/>
+                </a:solidFill>
+                <a:latin typeface="Calibri Light" panose="020F0302020204030204"/>
+              </a:rPr>
+              <a:t>(`setup.py`) </a:t>
+            </a:r>
+          </a:p>
+          <a:p>
+            <a:pPr marL="228576" indent="-228592" defTabSz="914369">
+              <a:buFont typeface="Arial" panose="020B0604020202020204" pitchFamily="34" charset="0"/>
+              <a:buChar char="•"/>
+              <a:defRPr/>
+            </a:pPr>
+            <a:r>
+              <a:rPr lang="en-US" sz="1200" kern="0" dirty="0">
+                <a:solidFill>
+                  <a:prstClr val="white"/>
+                </a:solidFill>
+                <a:latin typeface="Calibri Light" panose="020F0302020204030204"/>
+              </a:rPr>
+              <a:t>for the package </a:t>
+            </a:r>
+          </a:p>
+          <a:p>
+            <a:pPr marL="685776" lvl="1" indent="-228592" defTabSz="914369">
+              <a:buFont typeface="Arial" panose="020B0604020202020204" pitchFamily="34" charset="0"/>
+              <a:buChar char="•"/>
+              <a:defRPr/>
+            </a:pPr>
+            <a:r>
+              <a:rPr lang="en-US" sz="1200" kern="0" dirty="0">
+                <a:solidFill>
+                  <a:prstClr val="white"/>
+                </a:solidFill>
+                <a:latin typeface="Calibri Light" panose="020F0302020204030204"/>
+              </a:rPr>
+              <a:t>code</a:t>
+            </a:r>
+          </a:p>
+          <a:p>
+            <a:pPr marL="228576" indent="-228592" defTabSz="914369">
+              <a:buFont typeface="Arial" panose="020B0604020202020204" pitchFamily="34" charset="0"/>
+              <a:buChar char="•"/>
+              <a:defRPr/>
+            </a:pPr>
+            <a:r>
+              <a:rPr lang="en-US" sz="1200" kern="0" dirty="0">
+                <a:solidFill>
+                  <a:prstClr val="white"/>
+                </a:solidFill>
+                <a:latin typeface="Calibri Light" panose="020F0302020204030204"/>
+              </a:rPr>
+              <a:t>is expected to be found </a:t>
+            </a:r>
+          </a:p>
+          <a:p>
+            <a:pPr marL="685776" lvl="1" indent="-228592" defTabSz="914369">
+              <a:buFont typeface="Arial" panose="020B0604020202020204" pitchFamily="34" charset="0"/>
+              <a:buChar char="•"/>
+              <a:defRPr/>
+            </a:pPr>
+            <a:r>
+              <a:rPr lang="en-US" sz="1200" kern="0" dirty="0">
+                <a:solidFill>
+                  <a:prstClr val="white"/>
+                </a:solidFill>
+                <a:latin typeface="Calibri Light" panose="020F0302020204030204"/>
+              </a:rPr>
+              <a:t>in </a:t>
+            </a:r>
+          </a:p>
+          <a:p>
+            <a:pPr marL="228576" indent="-228592" defTabSz="914369">
+              <a:buFont typeface="Arial" panose="020B0604020202020204" pitchFamily="34" charset="0"/>
+              <a:buChar char="•"/>
+              <a:defRPr/>
+            </a:pPr>
+            <a:r>
+              <a:rPr lang="en-US" sz="1200" kern="0" dirty="0">
+                <a:solidFill>
+                  <a:prstClr val="white"/>
+                </a:solidFill>
+                <a:latin typeface="Calibri Light" panose="020F0302020204030204"/>
+              </a:rPr>
+              <a:t>the current directory</a:t>
+            </a:r>
+          </a:p>
+        </p:txBody>
+      </p:sp>
+      <p:sp>
+        <p:nvSpPr>
+          <p:cNvPr id="11" name="Arrow: Right 5">
+            <a:extLst>
+              <a:ext uri="{FF2B5EF4-FFF2-40B4-BE49-F238E27FC236}">
+                <a16:creationId xmlns:a16="http://schemas.microsoft.com/office/drawing/2014/main" id="{07C3E5CB-37FE-7EF5-013D-CA0A07B3AAB3}"/>
+              </a:ext>
+            </a:extLst>
+          </p:cNvPr>
+          <p:cNvSpPr/>
+          <p:nvPr/>
+        </p:nvSpPr>
+        <p:spPr>
+          <a:xfrm>
+            <a:off x="309916" y="4015214"/>
+            <a:ext cx="1061314" cy="276999"/>
+          </a:xfrm>
+          <a:custGeom>
+            <a:avLst/>
+            <a:gdLst>
+              <a:gd name="connsiteX0" fmla="*/ 0 w 1727200"/>
+              <a:gd name="connsiteY0" fmla="*/ 119380 h 477520"/>
+              <a:gd name="connsiteX1" fmla="*/ 1488440 w 1727200"/>
+              <a:gd name="connsiteY1" fmla="*/ 119380 h 477520"/>
+              <a:gd name="connsiteX2" fmla="*/ 1488440 w 1727200"/>
+              <a:gd name="connsiteY2" fmla="*/ 0 h 477520"/>
+              <a:gd name="connsiteX3" fmla="*/ 1727200 w 1727200"/>
+              <a:gd name="connsiteY3" fmla="*/ 238760 h 477520"/>
+              <a:gd name="connsiteX4" fmla="*/ 1488440 w 1727200"/>
+              <a:gd name="connsiteY4" fmla="*/ 477520 h 477520"/>
+              <a:gd name="connsiteX5" fmla="*/ 1488440 w 1727200"/>
+              <a:gd name="connsiteY5" fmla="*/ 358140 h 477520"/>
+              <a:gd name="connsiteX6" fmla="*/ 0 w 1727200"/>
+              <a:gd name="connsiteY6" fmla="*/ 358140 h 477520"/>
+              <a:gd name="connsiteX7" fmla="*/ 0 w 1727200"/>
+              <a:gd name="connsiteY7" fmla="*/ 119380 h 477520"/>
+              <a:gd name="connsiteX0" fmla="*/ 0 w 1727200"/>
+              <a:gd name="connsiteY0" fmla="*/ 11803 h 369943"/>
+              <a:gd name="connsiteX1" fmla="*/ 1488440 w 1727200"/>
+              <a:gd name="connsiteY1" fmla="*/ 11803 h 369943"/>
+              <a:gd name="connsiteX2" fmla="*/ 1488440 w 1727200"/>
+              <a:gd name="connsiteY2" fmla="*/ 0 h 369943"/>
+              <a:gd name="connsiteX3" fmla="*/ 1727200 w 1727200"/>
+              <a:gd name="connsiteY3" fmla="*/ 131183 h 369943"/>
+              <a:gd name="connsiteX4" fmla="*/ 1488440 w 1727200"/>
+              <a:gd name="connsiteY4" fmla="*/ 369943 h 369943"/>
+              <a:gd name="connsiteX5" fmla="*/ 1488440 w 1727200"/>
+              <a:gd name="connsiteY5" fmla="*/ 250563 h 369943"/>
+              <a:gd name="connsiteX6" fmla="*/ 0 w 1727200"/>
+              <a:gd name="connsiteY6" fmla="*/ 250563 h 369943"/>
+              <a:gd name="connsiteX7" fmla="*/ 0 w 1727200"/>
+              <a:gd name="connsiteY7" fmla="*/ 11803 h 369943"/>
+              <a:gd name="connsiteX0" fmla="*/ 0 w 1727200"/>
+              <a:gd name="connsiteY0" fmla="*/ 0 h 358140"/>
+              <a:gd name="connsiteX1" fmla="*/ 1488440 w 1727200"/>
+              <a:gd name="connsiteY1" fmla="*/ 0 h 358140"/>
+              <a:gd name="connsiteX2" fmla="*/ 1497538 w 1727200"/>
+              <a:gd name="connsiteY2" fmla="*/ 6394 h 358140"/>
+              <a:gd name="connsiteX3" fmla="*/ 1727200 w 1727200"/>
+              <a:gd name="connsiteY3" fmla="*/ 119380 h 358140"/>
+              <a:gd name="connsiteX4" fmla="*/ 1488440 w 1727200"/>
+              <a:gd name="connsiteY4" fmla="*/ 358140 h 358140"/>
+              <a:gd name="connsiteX5" fmla="*/ 1488440 w 1727200"/>
+              <a:gd name="connsiteY5" fmla="*/ 238760 h 358140"/>
+              <a:gd name="connsiteX6" fmla="*/ 0 w 1727200"/>
+              <a:gd name="connsiteY6" fmla="*/ 238760 h 358140"/>
+              <a:gd name="connsiteX7" fmla="*/ 0 w 1727200"/>
+              <a:gd name="connsiteY7" fmla="*/ 0 h 358140"/>
+              <a:gd name="connsiteX0" fmla="*/ 0 w 1727200"/>
+              <a:gd name="connsiteY0" fmla="*/ 0 h 239859"/>
+              <a:gd name="connsiteX1" fmla="*/ 1488440 w 1727200"/>
+              <a:gd name="connsiteY1" fmla="*/ 0 h 239859"/>
+              <a:gd name="connsiteX2" fmla="*/ 1497538 w 1727200"/>
+              <a:gd name="connsiteY2" fmla="*/ 6394 h 239859"/>
+              <a:gd name="connsiteX3" fmla="*/ 1727200 w 1727200"/>
+              <a:gd name="connsiteY3" fmla="*/ 119380 h 239859"/>
+              <a:gd name="connsiteX4" fmla="*/ 1492989 w 1727200"/>
+              <a:gd name="connsiteY4" fmla="*/ 239859 h 239859"/>
+              <a:gd name="connsiteX5" fmla="*/ 1488440 w 1727200"/>
+              <a:gd name="connsiteY5" fmla="*/ 238760 h 239859"/>
+              <a:gd name="connsiteX6" fmla="*/ 0 w 1727200"/>
+              <a:gd name="connsiteY6" fmla="*/ 238760 h 239859"/>
+              <a:gd name="connsiteX7" fmla="*/ 0 w 1727200"/>
+              <a:gd name="connsiteY7" fmla="*/ 0 h 239859"/>
+            </a:gdLst>
+            <a:ahLst/>
+            <a:cxnLst>
+              <a:cxn ang="0">
+                <a:pos x="connsiteX0" y="connsiteY0"/>
+              </a:cxn>
+              <a:cxn ang="0">
+                <a:pos x="connsiteX1" y="connsiteY1"/>
+              </a:cxn>
+              <a:cxn ang="0">
+                <a:pos x="connsiteX2" y="connsiteY2"/>
+              </a:cxn>
+              <a:cxn ang="0">
+                <a:pos x="connsiteX3" y="connsiteY3"/>
+              </a:cxn>
+              <a:cxn ang="0">
+                <a:pos x="connsiteX4" y="connsiteY4"/>
+              </a:cxn>
+              <a:cxn ang="0">
+                <a:pos x="connsiteX5" y="connsiteY5"/>
+              </a:cxn>
+              <a:cxn ang="0">
+                <a:pos x="connsiteX6" y="connsiteY6"/>
+              </a:cxn>
+              <a:cxn ang="0">
+                <a:pos x="connsiteX7" y="connsiteY7"/>
+              </a:cxn>
+            </a:cxnLst>
+            <a:rect l="l" t="t" r="r" b="b"/>
+            <a:pathLst>
+              <a:path w="1727200" h="239859">
+                <a:moveTo>
+                  <a:pt x="0" y="0"/>
+                </a:moveTo>
+                <a:lnTo>
+                  <a:pt x="1488440" y="0"/>
+                </a:lnTo>
+                <a:lnTo>
+                  <a:pt x="1497538" y="6394"/>
+                </a:lnTo>
+                <a:lnTo>
+                  <a:pt x="1727200" y="119380"/>
+                </a:lnTo>
+                <a:lnTo>
+                  <a:pt x="1492989" y="239859"/>
+                </a:lnTo>
+                <a:lnTo>
+                  <a:pt x="1488440" y="238760"/>
+                </a:lnTo>
+                <a:lnTo>
+                  <a:pt x="0" y="238760"/>
+                </a:lnTo>
+                <a:lnTo>
+                  <a:pt x="0" y="0"/>
+                </a:lnTo>
+                <a:close/>
+              </a:path>
+            </a:pathLst>
+          </a:custGeom>
+          <a:solidFill>
+            <a:sysClr val="windowText" lastClr="000000"/>
+          </a:solidFill>
+          <a:ln w="25400" cap="flat" cmpd="sng" algn="ctr">
+            <a:solidFill>
+              <a:srgbClr val="FFC000">
+                <a:lumMod val="60000"/>
+                <a:lumOff val="40000"/>
+              </a:srgbClr>
+            </a:solidFill>
+            <a:prstDash val="solid"/>
+            <a:miter lim="800000"/>
+          </a:ln>
+          <a:effectLst>
+            <a:outerShdw blurRad="50800" dist="63500" dir="2700000" algn="tl" rotWithShape="0">
+              <a:sysClr val="window" lastClr="FFFFFF">
+                <a:alpha val="40000"/>
+              </a:sysClr>
+            </a:outerShdw>
+          </a:effectLst>
+        </p:spPr>
+        <p:txBody>
+          <a:bodyPr wrap="none" lIns="90000" tIns="0" rIns="180000" bIns="0" rtlCol="0" anchor="ctr">
+            <a:spAutoFit/>
+          </a:bodyPr>
+          <a:lstStyle/>
+          <a:p>
+            <a:pPr marL="0" marR="0" lvl="0" indent="0" defTabSz="914369" eaLnBrk="1" fontAlgn="auto" latinLnBrk="0" hangingPunct="1">
+              <a:lnSpc>
+                <a:spcPct val="100000"/>
+              </a:lnSpc>
+              <a:spcBef>
+                <a:spcPts val="0"/>
+              </a:spcBef>
+              <a:spcAft>
+                <a:spcPts val="0"/>
+              </a:spcAft>
+              <a:buClrTx/>
+              <a:buSzTx/>
+              <a:buFontTx/>
+              <a:buNone/>
+              <a:tabLst/>
+              <a:defRPr/>
+            </a:pPr>
+            <a:r>
+              <a:rPr kumimoji="0" lang="en-US" sz="1800" b="0" i="0" u="none" strike="noStrike" kern="0" cap="none" spc="0" normalizeH="0" baseline="0" noProof="0" dirty="0">
+                <a:ln>
+                  <a:noFill/>
+                </a:ln>
+                <a:solidFill>
+                  <a:prstClr val="white"/>
+                </a:solidFill>
+                <a:effectLst/>
+                <a:uLnTx/>
+                <a:uFillTx/>
+                <a:latin typeface="Calibri Light" panose="020F0302020204030204"/>
+              </a:rPr>
+              <a:t>uninstall</a:t>
+            </a:r>
+          </a:p>
+        </p:txBody>
+      </p:sp>
+      <p:sp>
+        <p:nvSpPr>
+          <p:cNvPr id="12" name="Speech Bubble: Rectangle 11">
+            <a:extLst>
+              <a:ext uri="{FF2B5EF4-FFF2-40B4-BE49-F238E27FC236}">
+                <a16:creationId xmlns:a16="http://schemas.microsoft.com/office/drawing/2014/main" id="{4E160D6D-5E8D-25BF-3C1A-8D819FD47EEF}"/>
+              </a:ext>
+            </a:extLst>
+          </p:cNvPr>
+          <p:cNvSpPr/>
+          <p:nvPr/>
+        </p:nvSpPr>
+        <p:spPr>
+          <a:xfrm>
+            <a:off x="1371230" y="4046797"/>
+            <a:ext cx="2281641" cy="257369"/>
+          </a:xfrm>
+          <a:prstGeom prst="wedgeRectCallout">
+            <a:avLst>
+              <a:gd name="adj1" fmla="val -51140"/>
+              <a:gd name="adj2" fmla="val -17579"/>
+            </a:avLst>
+          </a:prstGeom>
+          <a:solidFill>
+            <a:sysClr val="windowText" lastClr="000000"/>
+          </a:solidFill>
+          <a:ln>
+            <a:solidFill>
+              <a:srgbClr val="5B9BD5"/>
+            </a:solidFill>
+          </a:ln>
+          <a:effectLst>
+            <a:outerShdw blurRad="50800" dist="63500" dir="2700000" algn="tl" rotWithShape="0">
+              <a:sysClr val="window" lastClr="FFFFFF">
+                <a:alpha val="40000"/>
+              </a:sysClr>
+            </a:outerShdw>
+          </a:effectLst>
+        </p:spPr>
+        <p:txBody>
+          <a:bodyPr wrap="none" lIns="36000" tIns="36000" rIns="36000" bIns="36000" rtlCol="0">
+            <a:spAutoFit/>
+          </a:bodyPr>
+          <a:lstStyle/>
+          <a:p>
+            <a:pPr lvl="0" defTabSz="914369">
+              <a:defRPr/>
+            </a:pPr>
+            <a:r>
+              <a:rPr lang="en-US" sz="1200" kern="0">
+                <a:solidFill>
+                  <a:prstClr val="white"/>
+                </a:solidFill>
+                <a:latin typeface="Consolas" panose="020B0609020204030204" pitchFamily="49" charset="0"/>
+              </a:rPr>
+              <a:t>pip uninstall package-name</a:t>
+            </a:r>
+          </a:p>
+        </p:txBody>
+      </p:sp>
+      <p:sp>
+        <p:nvSpPr>
+          <p:cNvPr id="13" name="Arrow: Right 5">
+            <a:extLst>
+              <a:ext uri="{FF2B5EF4-FFF2-40B4-BE49-F238E27FC236}">
+                <a16:creationId xmlns:a16="http://schemas.microsoft.com/office/drawing/2014/main" id="{10D06D75-9BE4-C2D3-51A8-ACF83F496D24}"/>
+              </a:ext>
+            </a:extLst>
+          </p:cNvPr>
+          <p:cNvSpPr/>
+          <p:nvPr/>
+        </p:nvSpPr>
+        <p:spPr>
+          <a:xfrm>
+            <a:off x="309916" y="4541425"/>
+            <a:ext cx="540339" cy="276999"/>
+          </a:xfrm>
+          <a:custGeom>
+            <a:avLst/>
+            <a:gdLst>
+              <a:gd name="connsiteX0" fmla="*/ 0 w 1727200"/>
+              <a:gd name="connsiteY0" fmla="*/ 119380 h 477520"/>
+              <a:gd name="connsiteX1" fmla="*/ 1488440 w 1727200"/>
+              <a:gd name="connsiteY1" fmla="*/ 119380 h 477520"/>
+              <a:gd name="connsiteX2" fmla="*/ 1488440 w 1727200"/>
+              <a:gd name="connsiteY2" fmla="*/ 0 h 477520"/>
+              <a:gd name="connsiteX3" fmla="*/ 1727200 w 1727200"/>
+              <a:gd name="connsiteY3" fmla="*/ 238760 h 477520"/>
+              <a:gd name="connsiteX4" fmla="*/ 1488440 w 1727200"/>
+              <a:gd name="connsiteY4" fmla="*/ 477520 h 477520"/>
+              <a:gd name="connsiteX5" fmla="*/ 1488440 w 1727200"/>
+              <a:gd name="connsiteY5" fmla="*/ 358140 h 477520"/>
+              <a:gd name="connsiteX6" fmla="*/ 0 w 1727200"/>
+              <a:gd name="connsiteY6" fmla="*/ 358140 h 477520"/>
+              <a:gd name="connsiteX7" fmla="*/ 0 w 1727200"/>
+              <a:gd name="connsiteY7" fmla="*/ 119380 h 477520"/>
+              <a:gd name="connsiteX0" fmla="*/ 0 w 1727200"/>
+              <a:gd name="connsiteY0" fmla="*/ 11803 h 369943"/>
+              <a:gd name="connsiteX1" fmla="*/ 1488440 w 1727200"/>
+              <a:gd name="connsiteY1" fmla="*/ 11803 h 369943"/>
+              <a:gd name="connsiteX2" fmla="*/ 1488440 w 1727200"/>
+              <a:gd name="connsiteY2" fmla="*/ 0 h 369943"/>
+              <a:gd name="connsiteX3" fmla="*/ 1727200 w 1727200"/>
+              <a:gd name="connsiteY3" fmla="*/ 131183 h 369943"/>
+              <a:gd name="connsiteX4" fmla="*/ 1488440 w 1727200"/>
+              <a:gd name="connsiteY4" fmla="*/ 369943 h 369943"/>
+              <a:gd name="connsiteX5" fmla="*/ 1488440 w 1727200"/>
+              <a:gd name="connsiteY5" fmla="*/ 250563 h 369943"/>
+              <a:gd name="connsiteX6" fmla="*/ 0 w 1727200"/>
+              <a:gd name="connsiteY6" fmla="*/ 250563 h 369943"/>
+              <a:gd name="connsiteX7" fmla="*/ 0 w 1727200"/>
+              <a:gd name="connsiteY7" fmla="*/ 11803 h 369943"/>
+              <a:gd name="connsiteX0" fmla="*/ 0 w 1727200"/>
+              <a:gd name="connsiteY0" fmla="*/ 0 h 358140"/>
+              <a:gd name="connsiteX1" fmla="*/ 1488440 w 1727200"/>
+              <a:gd name="connsiteY1" fmla="*/ 0 h 358140"/>
+              <a:gd name="connsiteX2" fmla="*/ 1497538 w 1727200"/>
+              <a:gd name="connsiteY2" fmla="*/ 6394 h 358140"/>
+              <a:gd name="connsiteX3" fmla="*/ 1727200 w 1727200"/>
+              <a:gd name="connsiteY3" fmla="*/ 119380 h 358140"/>
+              <a:gd name="connsiteX4" fmla="*/ 1488440 w 1727200"/>
+              <a:gd name="connsiteY4" fmla="*/ 358140 h 358140"/>
+              <a:gd name="connsiteX5" fmla="*/ 1488440 w 1727200"/>
+              <a:gd name="connsiteY5" fmla="*/ 238760 h 358140"/>
+              <a:gd name="connsiteX6" fmla="*/ 0 w 1727200"/>
+              <a:gd name="connsiteY6" fmla="*/ 238760 h 358140"/>
+              <a:gd name="connsiteX7" fmla="*/ 0 w 1727200"/>
+              <a:gd name="connsiteY7" fmla="*/ 0 h 358140"/>
+              <a:gd name="connsiteX0" fmla="*/ 0 w 1727200"/>
+              <a:gd name="connsiteY0" fmla="*/ 0 h 239859"/>
+              <a:gd name="connsiteX1" fmla="*/ 1488440 w 1727200"/>
+              <a:gd name="connsiteY1" fmla="*/ 0 h 239859"/>
+              <a:gd name="connsiteX2" fmla="*/ 1497538 w 1727200"/>
+              <a:gd name="connsiteY2" fmla="*/ 6394 h 239859"/>
+              <a:gd name="connsiteX3" fmla="*/ 1727200 w 1727200"/>
+              <a:gd name="connsiteY3" fmla="*/ 119380 h 239859"/>
+              <a:gd name="connsiteX4" fmla="*/ 1492989 w 1727200"/>
+              <a:gd name="connsiteY4" fmla="*/ 239859 h 239859"/>
+              <a:gd name="connsiteX5" fmla="*/ 1488440 w 1727200"/>
+              <a:gd name="connsiteY5" fmla="*/ 238760 h 239859"/>
+              <a:gd name="connsiteX6" fmla="*/ 0 w 1727200"/>
+              <a:gd name="connsiteY6" fmla="*/ 238760 h 239859"/>
+              <a:gd name="connsiteX7" fmla="*/ 0 w 1727200"/>
+              <a:gd name="connsiteY7" fmla="*/ 0 h 239859"/>
+            </a:gdLst>
+            <a:ahLst/>
+            <a:cxnLst>
+              <a:cxn ang="0">
+                <a:pos x="connsiteX0" y="connsiteY0"/>
+              </a:cxn>
+              <a:cxn ang="0">
+                <a:pos x="connsiteX1" y="connsiteY1"/>
+              </a:cxn>
+              <a:cxn ang="0">
+                <a:pos x="connsiteX2" y="connsiteY2"/>
+              </a:cxn>
+              <a:cxn ang="0">
+                <a:pos x="connsiteX3" y="connsiteY3"/>
+              </a:cxn>
+              <a:cxn ang="0">
+                <a:pos x="connsiteX4" y="connsiteY4"/>
+              </a:cxn>
+              <a:cxn ang="0">
+                <a:pos x="connsiteX5" y="connsiteY5"/>
+              </a:cxn>
+              <a:cxn ang="0">
+                <a:pos x="connsiteX6" y="connsiteY6"/>
+              </a:cxn>
+              <a:cxn ang="0">
+                <a:pos x="connsiteX7" y="connsiteY7"/>
+              </a:cxn>
+            </a:cxnLst>
+            <a:rect l="l" t="t" r="r" b="b"/>
+            <a:pathLst>
+              <a:path w="1727200" h="239859">
+                <a:moveTo>
+                  <a:pt x="0" y="0"/>
+                </a:moveTo>
+                <a:lnTo>
+                  <a:pt x="1488440" y="0"/>
+                </a:lnTo>
+                <a:lnTo>
+                  <a:pt x="1497538" y="6394"/>
+                </a:lnTo>
+                <a:lnTo>
+                  <a:pt x="1727200" y="119380"/>
+                </a:lnTo>
+                <a:lnTo>
+                  <a:pt x="1492989" y="239859"/>
+                </a:lnTo>
+                <a:lnTo>
+                  <a:pt x="1488440" y="238760"/>
+                </a:lnTo>
+                <a:lnTo>
+                  <a:pt x="0" y="238760"/>
+                </a:lnTo>
+                <a:lnTo>
+                  <a:pt x="0" y="0"/>
+                </a:lnTo>
+                <a:close/>
+              </a:path>
+            </a:pathLst>
+          </a:custGeom>
+          <a:solidFill>
+            <a:sysClr val="windowText" lastClr="000000"/>
+          </a:solidFill>
+          <a:ln w="25400" cap="flat" cmpd="sng" algn="ctr">
+            <a:solidFill>
+              <a:srgbClr val="FFC000">
+                <a:lumMod val="60000"/>
+                <a:lumOff val="40000"/>
+              </a:srgbClr>
+            </a:solidFill>
+            <a:prstDash val="solid"/>
+            <a:miter lim="800000"/>
+          </a:ln>
+          <a:effectLst>
+            <a:outerShdw blurRad="50800" dist="63500" dir="2700000" algn="tl" rotWithShape="0">
+              <a:sysClr val="window" lastClr="FFFFFF">
+                <a:alpha val="40000"/>
+              </a:sysClr>
+            </a:outerShdw>
+          </a:effectLst>
+        </p:spPr>
+        <p:txBody>
+          <a:bodyPr wrap="none" lIns="90000" tIns="0" rIns="180000" bIns="0" rtlCol="0" anchor="ctr">
+            <a:spAutoFit/>
+          </a:bodyPr>
+          <a:lstStyle/>
+          <a:p>
+            <a:pPr marL="0" marR="0" lvl="0" indent="0" defTabSz="914369" eaLnBrk="1" fontAlgn="auto" latinLnBrk="0" hangingPunct="1">
+              <a:lnSpc>
+                <a:spcPct val="100000"/>
+              </a:lnSpc>
+              <a:spcBef>
+                <a:spcPts val="0"/>
+              </a:spcBef>
+              <a:spcAft>
+                <a:spcPts val="0"/>
+              </a:spcAft>
+              <a:buClrTx/>
+              <a:buSzTx/>
+              <a:buFontTx/>
+              <a:buNone/>
+              <a:tabLst/>
+              <a:defRPr/>
+            </a:pPr>
+            <a:r>
+              <a:rPr kumimoji="0" lang="en-US" sz="1800" b="0" i="0" u="none" strike="noStrike" kern="0" cap="none" spc="0" normalizeH="0" baseline="0" noProof="0" dirty="0">
+                <a:ln>
+                  <a:noFill/>
+                </a:ln>
+                <a:solidFill>
+                  <a:prstClr val="white"/>
+                </a:solidFill>
+                <a:effectLst/>
+                <a:uLnTx/>
+                <a:uFillTx/>
+                <a:latin typeface="Calibri Light" panose="020F0302020204030204"/>
+              </a:rPr>
+              <a:t>list</a:t>
+            </a:r>
+          </a:p>
+        </p:txBody>
+      </p:sp>
+      <p:sp>
+        <p:nvSpPr>
+          <p:cNvPr id="14" name="Speech Bubble: Rectangle 13">
+            <a:extLst>
+              <a:ext uri="{FF2B5EF4-FFF2-40B4-BE49-F238E27FC236}">
+                <a16:creationId xmlns:a16="http://schemas.microsoft.com/office/drawing/2014/main" id="{C5468BDF-339B-EB0C-6653-515BE3BE16D2}"/>
+              </a:ext>
+            </a:extLst>
+          </p:cNvPr>
+          <p:cNvSpPr/>
+          <p:nvPr/>
+        </p:nvSpPr>
+        <p:spPr>
+          <a:xfrm>
+            <a:off x="850255" y="4561055"/>
+            <a:ext cx="1007254" cy="257369"/>
+          </a:xfrm>
+          <a:prstGeom prst="wedgeRectCallout">
+            <a:avLst>
+              <a:gd name="adj1" fmla="val -51140"/>
+              <a:gd name="adj2" fmla="val -17579"/>
+            </a:avLst>
+          </a:prstGeom>
+          <a:solidFill>
+            <a:sysClr val="windowText" lastClr="000000"/>
+          </a:solidFill>
+          <a:ln>
+            <a:solidFill>
+              <a:srgbClr val="5B9BD5"/>
+            </a:solidFill>
+          </a:ln>
+          <a:effectLst>
+            <a:outerShdw blurRad="50800" dist="63500" dir="2700000" algn="tl" rotWithShape="0">
+              <a:sysClr val="window" lastClr="FFFFFF">
+                <a:alpha val="40000"/>
+              </a:sysClr>
+            </a:outerShdw>
+          </a:effectLst>
+        </p:spPr>
+        <p:txBody>
+          <a:bodyPr wrap="none" lIns="36000" tIns="36000" rIns="36000" bIns="36000" rtlCol="0">
+            <a:spAutoFit/>
+          </a:bodyPr>
+          <a:lstStyle/>
+          <a:p>
+            <a:pPr lvl="0" defTabSz="914369">
+              <a:defRPr/>
+            </a:pPr>
+            <a:r>
+              <a:rPr lang="en-US" sz="1200" kern="0">
+                <a:solidFill>
+                  <a:prstClr val="white"/>
+                </a:solidFill>
+                <a:latin typeface="Consolas" panose="020B0609020204030204" pitchFamily="49" charset="0"/>
+              </a:rPr>
+              <a:t>pip list -e</a:t>
+            </a:r>
+          </a:p>
+        </p:txBody>
+      </p:sp>
+    </p:spTree>
+    <p:extLst>
+      <p:ext uri="{BB962C8B-B14F-4D97-AF65-F5344CB8AC3E}">
+        <p14:creationId xmlns:p14="http://schemas.microsoft.com/office/powerpoint/2010/main" val="2556081146"/>
+      </p:ext>
+    </p:extLst>
+  </p:cSld>
+  <p:clrMapOvr>
+    <a:masterClrMapping/>
+  </p:clrMapOvr>
+</p:sld>
+</file>
+
+<file path=ppt/slides/slide5.xml><?xml version="1.0" encoding="utf-8"?>
 <p:sld xmlns:a="http://schemas.openxmlformats.org/drawingml/2006/main" xmlns:r="http://schemas.openxmlformats.org/officeDocument/2006/relationships" xmlns:p="http://schemas.openxmlformats.org/presentationml/2006/main">
   <p:cSld>
     <p:bg>
